--- a/Year 1/Sem 1/RTML.pptx
+++ b/Year 1/Sem 1/RTML.pptx
@@ -5,10 +5,10 @@
     <p:sldMasterId id="2147483672" r:id="rId4"/>
   </p:sldMasterIdLst>
   <p:notesMasterIdLst>
-    <p:notesMasterId r:id="rId25"/>
+    <p:notesMasterId r:id="rId24"/>
   </p:notesMasterIdLst>
   <p:handoutMasterIdLst>
-    <p:handoutMasterId r:id="rId26"/>
+    <p:handoutMasterId r:id="rId25"/>
   </p:handoutMasterIdLst>
   <p:sldIdLst>
     <p:sldId id="256" r:id="rId5"/>
@@ -23,14 +23,13 @@
     <p:sldId id="270" r:id="rId14"/>
     <p:sldId id="271" r:id="rId15"/>
     <p:sldId id="272" r:id="rId16"/>
-    <p:sldId id="273" r:id="rId17"/>
-    <p:sldId id="274" r:id="rId18"/>
-    <p:sldId id="275" r:id="rId19"/>
-    <p:sldId id="276" r:id="rId20"/>
-    <p:sldId id="277" r:id="rId21"/>
-    <p:sldId id="278" r:id="rId22"/>
-    <p:sldId id="260" r:id="rId23"/>
-    <p:sldId id="279" r:id="rId24"/>
+    <p:sldId id="274" r:id="rId17"/>
+    <p:sldId id="275" r:id="rId18"/>
+    <p:sldId id="276" r:id="rId19"/>
+    <p:sldId id="277" r:id="rId20"/>
+    <p:sldId id="278" r:id="rId21"/>
+    <p:sldId id="260" r:id="rId22"/>
+    <p:sldId id="279" r:id="rId23"/>
   </p:sldIdLst>
   <p:sldSz cx="12192000" cy="6858000"/>
   <p:notesSz cx="6858000" cy="9144000"/>
@@ -234,7 +233,7 @@
           <a:p>
             <a:fld id="{AF869721-F543-4A6C-BF9D-65D7CC540427}" type="datetimeFigureOut">
               <a:rPr lang="en-US" smtClean="0"/>
-              <a:t>08-Dec-24</a:t>
+              <a:t>09-Dec-24</a:t>
             </a:fld>
             <a:endParaRPr lang="en-US" dirty="0"/>
           </a:p>
@@ -411,7 +410,7 @@
           <a:p>
             <a:fld id="{C732326A-4C88-4AFB-AA5B-5919D81DFF5B}" type="datetimeFigureOut">
               <a:rPr lang="en-US" smtClean="0"/>
-              <a:t>08-Dec-24</a:t>
+              <a:t>09-Dec-24</a:t>
             </a:fld>
             <a:endParaRPr lang="en-US" dirty="0"/>
           </a:p>
@@ -827,91 +826,7 @@
           <a:p>
             <a:fld id="{C6B3AB32-59DF-41F1-9618-EDFBF5049629}" type="slidenum">
               <a:rPr lang="en-US" smtClean="0"/>
-              <a:t>13</a:t>
-            </a:fld>
-            <a:endParaRPr lang="en-US" dirty="0"/>
-          </a:p>
-        </p:txBody>
-      </p:sp>
-    </p:spTree>
-    <p:extLst>
-      <p:ext uri="{BB962C8B-B14F-4D97-AF65-F5344CB8AC3E}">
-        <p14:creationId xmlns:p14="http://schemas.microsoft.com/office/powerpoint/2010/main" val="2151631947"/>
-      </p:ext>
-    </p:extLst>
-  </p:cSld>
-  <p:clrMapOvr>
-    <a:masterClrMapping/>
-  </p:clrMapOvr>
-</p:notes>
-</file>
-
-<file path=ppt/notesSlides/notesSlide3.xml><?xml version="1.0" encoding="utf-8"?>
-<p:notes xmlns:a="http://schemas.openxmlformats.org/drawingml/2006/main" xmlns:r="http://schemas.openxmlformats.org/officeDocument/2006/relationships" xmlns:p="http://schemas.openxmlformats.org/presentationml/2006/main">
-  <p:cSld>
-    <p:spTree>
-      <p:nvGrpSpPr>
-        <p:cNvPr id="1" name=""/>
-        <p:cNvGrpSpPr/>
-        <p:nvPr/>
-      </p:nvGrpSpPr>
-      <p:grpSpPr>
-        <a:xfrm>
-          <a:off x="0" y="0"/>
-          <a:ext cx="0" cy="0"/>
-          <a:chOff x="0" y="0"/>
-          <a:chExt cx="0" cy="0"/>
-        </a:xfrm>
-      </p:grpSpPr>
-      <p:sp>
-        <p:nvSpPr>
-          <p:cNvPr id="2" name="Slide Image Placeholder 1"/>
-          <p:cNvSpPr>
-            <a:spLocks noGrp="1" noRot="1" noChangeAspect="1"/>
-          </p:cNvSpPr>
-          <p:nvPr>
-            <p:ph type="sldImg"/>
-          </p:nvPr>
-        </p:nvSpPr>
-        <p:spPr/>
-      </p:sp>
-      <p:sp>
-        <p:nvSpPr>
-          <p:cNvPr id="3" name="Notes Placeholder 2"/>
-          <p:cNvSpPr>
-            <a:spLocks noGrp="1"/>
-          </p:cNvSpPr>
-          <p:nvPr>
-            <p:ph type="body" idx="1"/>
-          </p:nvPr>
-        </p:nvSpPr>
-        <p:spPr/>
-        <p:txBody>
-          <a:bodyPr/>
-          <a:lstStyle/>
-          <a:p>
-            <a:endParaRPr lang="en-US" dirty="0"/>
-          </a:p>
-        </p:txBody>
-      </p:sp>
-      <p:sp>
-        <p:nvSpPr>
-          <p:cNvPr id="4" name="Slide Number Placeholder 3"/>
-          <p:cNvSpPr>
-            <a:spLocks noGrp="1"/>
-          </p:cNvSpPr>
-          <p:nvPr>
-            <p:ph type="sldNum" sz="quarter" idx="5"/>
-          </p:nvPr>
-        </p:nvSpPr>
-        <p:spPr/>
-        <p:txBody>
-          <a:bodyPr/>
-          <a:lstStyle/>
-          <a:p>
-            <a:fld id="{C6B3AB32-59DF-41F1-9618-EDFBF5049629}" type="slidenum">
-              <a:rPr lang="en-US" smtClean="0"/>
-              <a:t>19</a:t>
+              <a:t>18</a:t>
             </a:fld>
             <a:endParaRPr lang="en-US" dirty="0"/>
           </a:p>
@@ -1176,7 +1091,7 @@
             <a:fld id="{B61BEF0D-F0BB-DE4B-95CE-6DB70DBA9567}" type="datetimeFigureOut">
               <a:rPr lang="en-US" smtClean="0"/>
               <a:pPr/>
-              <a:t>08-Dec-24</a:t>
+              <a:t>09-Dec-24</a:t>
             </a:fld>
             <a:endParaRPr lang="en-US" dirty="0"/>
           </a:p>
@@ -1440,7 +1355,7 @@
             <a:fld id="{B61BEF0D-F0BB-DE4B-95CE-6DB70DBA9567}" type="datetimeFigureOut">
               <a:rPr lang="en-US" smtClean="0"/>
               <a:pPr/>
-              <a:t>08-Dec-24</a:t>
+              <a:t>09-Dec-24</a:t>
             </a:fld>
             <a:endParaRPr lang="en-US" dirty="0"/>
           </a:p>
@@ -1677,7 +1592,7 @@
             <a:fld id="{B61BEF0D-F0BB-DE4B-95CE-6DB70DBA9567}" type="datetimeFigureOut">
               <a:rPr lang="en-US" smtClean="0"/>
               <a:pPr/>
-              <a:t>08-Dec-24</a:t>
+              <a:t>09-Dec-24</a:t>
             </a:fld>
             <a:endParaRPr lang="en-US" dirty="0"/>
           </a:p>
@@ -1919,7 +1834,7 @@
             <a:fld id="{B61BEF0D-F0BB-DE4B-95CE-6DB70DBA9567}" type="datetimeFigureOut">
               <a:rPr lang="en-US" smtClean="0"/>
               <a:pPr/>
-              <a:t>08-Dec-24</a:t>
+              <a:t>09-Dec-24</a:t>
             </a:fld>
             <a:endParaRPr lang="en-US" dirty="0"/>
           </a:p>
@@ -2228,7 +2143,7 @@
             <a:fld id="{B61BEF0D-F0BB-DE4B-95CE-6DB70DBA9567}" type="datetimeFigureOut">
               <a:rPr lang="en-US" smtClean="0"/>
               <a:pPr/>
-              <a:t>08-Dec-24</a:t>
+              <a:t>09-Dec-24</a:t>
             </a:fld>
             <a:endParaRPr lang="en-US" dirty="0"/>
           </a:p>
@@ -2532,7 +2447,7 @@
             <a:fld id="{B61BEF0D-F0BB-DE4B-95CE-6DB70DBA9567}" type="datetimeFigureOut">
               <a:rPr lang="en-US" smtClean="0"/>
               <a:pPr/>
-              <a:t>08-Dec-24</a:t>
+              <a:t>09-Dec-24</a:t>
             </a:fld>
             <a:endParaRPr lang="en-US" dirty="0"/>
           </a:p>
@@ -2956,7 +2871,7 @@
             <a:fld id="{B61BEF0D-F0BB-DE4B-95CE-6DB70DBA9567}" type="datetimeFigureOut">
               <a:rPr lang="en-US" smtClean="0"/>
               <a:pPr/>
-              <a:t>08-Dec-24</a:t>
+              <a:t>09-Dec-24</a:t>
             </a:fld>
             <a:endParaRPr lang="en-US" dirty="0"/>
           </a:p>
@@ -3053,7 +2968,7 @@
             <a:fld id="{B61BEF0D-F0BB-DE4B-95CE-6DB70DBA9567}" type="datetimeFigureOut">
               <a:rPr lang="en-US" smtClean="0"/>
               <a:pPr/>
-              <a:t>08-Dec-24</a:t>
+              <a:t>09-Dec-24</a:t>
             </a:fld>
             <a:endParaRPr lang="en-US" dirty="0"/>
           </a:p>
@@ -3217,7 +3132,7 @@
             <a:fld id="{B61BEF0D-F0BB-DE4B-95CE-6DB70DBA9567}" type="datetimeFigureOut">
               <a:rPr lang="en-US" smtClean="0"/>
               <a:pPr/>
-              <a:t>08-Dec-24</a:t>
+              <a:t>09-Dec-24</a:t>
             </a:fld>
             <a:endParaRPr lang="en-US" dirty="0"/>
           </a:p>
@@ -3597,7 +3512,7 @@
             <a:fld id="{B61BEF0D-F0BB-DE4B-95CE-6DB70DBA9567}" type="datetimeFigureOut">
               <a:rPr lang="en-US" smtClean="0"/>
               <a:pPr/>
-              <a:t>08-Dec-24</a:t>
+              <a:t>09-Dec-24</a:t>
             </a:fld>
             <a:endParaRPr lang="en-US" dirty="0"/>
           </a:p>
@@ -3888,7 +3803,7 @@
             <a:fld id="{B61BEF0D-F0BB-DE4B-95CE-6DB70DBA9567}" type="datetimeFigureOut">
               <a:rPr lang="en-US" smtClean="0"/>
               <a:pPr/>
-              <a:t>08-Dec-24</a:t>
+              <a:t>09-Dec-24</a:t>
             </a:fld>
             <a:endParaRPr lang="en-US" dirty="0"/>
           </a:p>
@@ -4101,7 +4016,7 @@
             <a:fld id="{B61BEF0D-F0BB-DE4B-95CE-6DB70DBA9567}" type="datetimeFigureOut">
               <a:rPr lang="en-US" smtClean="0"/>
               <a:pPr/>
-              <a:t>08-Dec-24</a:t>
+              <a:t>09-Dec-24</a:t>
             </a:fld>
             <a:endParaRPr lang="en-US" dirty="0"/>
           </a:p>
@@ -7077,1177 +6992,6 @@
           <a:chExt cx="0" cy="0"/>
         </a:xfrm>
       </p:grpSpPr>
-      <p:sp>
-        <p:nvSpPr>
-          <p:cNvPr id="2" name="Title 1">
-            <a:extLst>
-              <a:ext uri="{FF2B5EF4-FFF2-40B4-BE49-F238E27FC236}">
-                <a16:creationId xmlns:a16="http://schemas.microsoft.com/office/drawing/2014/main" id="{24CDE301-55E4-DF1E-205A-C4F4412374DF}"/>
-              </a:ext>
-            </a:extLst>
-          </p:cNvPr>
-          <p:cNvSpPr>
-            <a:spLocks noGrp="1"/>
-          </p:cNvSpPr>
-          <p:nvPr>
-            <p:ph type="title"/>
-          </p:nvPr>
-        </p:nvSpPr>
-        <p:spPr/>
-        <p:txBody>
-          <a:bodyPr/>
-          <a:lstStyle/>
-          <a:p>
-            <a:r>
-              <a:rPr lang="en-US" dirty="0"/>
-              <a:t>Evaluation results</a:t>
-            </a:r>
-          </a:p>
-        </p:txBody>
-      </p:sp>
-      <p:graphicFrame>
-        <p:nvGraphicFramePr>
-          <p:cNvPr id="8" name="Table 7">
-            <a:extLst>
-              <a:ext uri="{FF2B5EF4-FFF2-40B4-BE49-F238E27FC236}">
-                <a16:creationId xmlns:a16="http://schemas.microsoft.com/office/drawing/2014/main" id="{EB2A2ACE-32B6-DFA1-70DD-C0F5B3908E35}"/>
-              </a:ext>
-            </a:extLst>
-          </p:cNvPr>
-          <p:cNvGraphicFramePr>
-            <a:graphicFrameLocks noGrp="1"/>
-          </p:cNvGraphicFramePr>
-          <p:nvPr>
-            <p:extLst>
-              <p:ext uri="{D42A27DB-BD31-4B8C-83A1-F6EECF244321}">
-                <p14:modId xmlns:p14="http://schemas.microsoft.com/office/powerpoint/2010/main" val="3217265250"/>
-              </p:ext>
-            </p:extLst>
-          </p:nvPr>
-        </p:nvGraphicFramePr>
-        <p:xfrm>
-          <a:off x="628253" y="1976447"/>
-          <a:ext cx="10744597" cy="4124441"/>
-        </p:xfrm>
-        <a:graphic>
-          <a:graphicData uri="http://schemas.openxmlformats.org/drawingml/2006/table">
-            <a:tbl>
-              <a:tblPr firstRow="1" bandRow="1">
-                <a:tableStyleId>{5C22544A-7EE6-4342-B048-85BDC9FD1C3A}</a:tableStyleId>
-              </a:tblPr>
-              <a:tblGrid>
-                <a:gridCol w="1222661">
-                  <a:extLst>
-                    <a:ext uri="{9D8B030D-6E8A-4147-A177-3AD203B41FA5}">
-                      <a16:colId xmlns:a16="http://schemas.microsoft.com/office/drawing/2014/main" val="3406992880"/>
-                    </a:ext>
-                  </a:extLst>
-                </a:gridCol>
-                <a:gridCol w="1397327">
-                  <a:extLst>
-                    <a:ext uri="{9D8B030D-6E8A-4147-A177-3AD203B41FA5}">
-                      <a16:colId xmlns:a16="http://schemas.microsoft.com/office/drawing/2014/main" val="1853134284"/>
-                    </a:ext>
-                  </a:extLst>
-                </a:gridCol>
-                <a:gridCol w="4296224">
-                  <a:extLst>
-                    <a:ext uri="{9D8B030D-6E8A-4147-A177-3AD203B41FA5}">
-                      <a16:colId xmlns:a16="http://schemas.microsoft.com/office/drawing/2014/main" val="2763379869"/>
-                    </a:ext>
-                  </a:extLst>
-                </a:gridCol>
-                <a:gridCol w="1864599">
-                  <a:extLst>
-                    <a:ext uri="{9D8B030D-6E8A-4147-A177-3AD203B41FA5}">
-                      <a16:colId xmlns:a16="http://schemas.microsoft.com/office/drawing/2014/main" val="546233395"/>
-                    </a:ext>
-                  </a:extLst>
-                </a:gridCol>
-                <a:gridCol w="1963786">
-                  <a:extLst>
-                    <a:ext uri="{9D8B030D-6E8A-4147-A177-3AD203B41FA5}">
-                      <a16:colId xmlns:a16="http://schemas.microsoft.com/office/drawing/2014/main" val="830585813"/>
-                    </a:ext>
-                  </a:extLst>
-                </a:gridCol>
-              </a:tblGrid>
-              <a:tr h="335531">
-                <a:tc>
-                  <a:txBody>
-                    <a:bodyPr/>
-                    <a:lstStyle/>
-                    <a:p>
-                      <a:endParaRPr lang="en-US" dirty="0"/>
-                    </a:p>
-                  </a:txBody>
-                  <a:tcPr>
-                    <a:lnB w="12700" cap="flat" cmpd="sng" algn="ctr">
-                      <a:noFill/>
-                      <a:prstDash val="solid"/>
-                      <a:round/>
-                      <a:headEnd type="none" w="med" len="med"/>
-                      <a:tailEnd type="none" w="med" len="med"/>
-                    </a:lnB>
-                  </a:tcPr>
-                </a:tc>
-                <a:tc>
-                  <a:txBody>
-                    <a:bodyPr/>
-                    <a:lstStyle/>
-                    <a:p>
-                      <a:pPr algn="ctr"/>
-                      <a:r>
-                        <a:rPr lang="en-US" dirty="0"/>
-                        <a:t>Type</a:t>
-                      </a:r>
-                    </a:p>
-                  </a:txBody>
-                  <a:tcPr>
-                    <a:lnB w="12700" cap="flat" cmpd="sng" algn="ctr">
-                      <a:noFill/>
-                      <a:prstDash val="solid"/>
-                      <a:round/>
-                      <a:headEnd type="none" w="med" len="med"/>
-                      <a:tailEnd type="none" w="med" len="med"/>
-                    </a:lnB>
-                  </a:tcPr>
-                </a:tc>
-                <a:tc>
-                  <a:txBody>
-                    <a:bodyPr/>
-                    <a:lstStyle/>
-                    <a:p>
-                      <a:pPr algn="ctr"/>
-                      <a:r>
-                        <a:rPr lang="en-US" dirty="0"/>
-                        <a:t>Definition</a:t>
-                      </a:r>
-                    </a:p>
-                  </a:txBody>
-                  <a:tcPr>
-                    <a:lnB w="12700" cap="flat" cmpd="sng" algn="ctr">
-                      <a:noFill/>
-                      <a:prstDash val="solid"/>
-                      <a:round/>
-                      <a:headEnd type="none" w="med" len="med"/>
-                      <a:tailEnd type="none" w="med" len="med"/>
-                    </a:lnB>
-                  </a:tcPr>
-                </a:tc>
-                <a:tc>
-                  <a:txBody>
-                    <a:bodyPr/>
-                    <a:lstStyle/>
-                    <a:p>
-                      <a:pPr algn="ctr"/>
-                      <a:r>
-                        <a:rPr lang="en-US" dirty="0" err="1"/>
-                        <a:t>ReAct</a:t>
-                      </a:r>
-                      <a:endParaRPr lang="en-US" dirty="0"/>
-                    </a:p>
-                  </a:txBody>
-                  <a:tcPr>
-                    <a:lnB w="12700" cap="flat" cmpd="sng" algn="ctr">
-                      <a:noFill/>
-                      <a:prstDash val="solid"/>
-                      <a:round/>
-                      <a:headEnd type="none" w="med" len="med"/>
-                      <a:tailEnd type="none" w="med" len="med"/>
-                    </a:lnB>
-                  </a:tcPr>
-                </a:tc>
-                <a:tc>
-                  <a:txBody>
-                    <a:bodyPr/>
-                    <a:lstStyle/>
-                    <a:p>
-                      <a:pPr algn="ctr"/>
-                      <a:r>
-                        <a:rPr lang="en-US" dirty="0" err="1"/>
-                        <a:t>CoT</a:t>
-                      </a:r>
-                      <a:endParaRPr lang="en-US" dirty="0"/>
-                    </a:p>
-                  </a:txBody>
-                  <a:tcPr>
-                    <a:lnB w="12700" cap="flat" cmpd="sng" algn="ctr">
-                      <a:noFill/>
-                      <a:prstDash val="solid"/>
-                      <a:round/>
-                      <a:headEnd type="none" w="med" len="med"/>
-                      <a:tailEnd type="none" w="med" len="med"/>
-                    </a:lnB>
-                  </a:tcPr>
-                </a:tc>
-                <a:extLst>
-                  <a:ext uri="{0D108BD9-81ED-4DB2-BD59-A6C34878D82A}">
-                    <a16:rowId xmlns:a16="http://schemas.microsoft.com/office/drawing/2014/main" val="1043417285"/>
-                  </a:ext>
-                </a:extLst>
-              </a:tr>
-              <a:tr h="651580">
-                <a:tc rowSpan="2">
-                  <a:txBody>
-                    <a:bodyPr/>
-                    <a:lstStyle/>
-                    <a:p>
-                      <a:pPr algn="ctr"/>
-                      <a:r>
-                        <a:rPr lang="en-US" dirty="0"/>
-                        <a:t>Success</a:t>
-                      </a:r>
-                    </a:p>
-                  </a:txBody>
-                  <a:tcPr anchor="ctr">
-                    <a:lnL w="12700" cap="flat" cmpd="sng" algn="ctr">
-                      <a:noFill/>
-                      <a:prstDash val="solid"/>
-                      <a:round/>
-                      <a:headEnd type="none" w="med" len="med"/>
-                      <a:tailEnd type="none" w="med" len="med"/>
-                    </a:lnL>
-                    <a:lnR w="12700" cap="flat" cmpd="sng" algn="ctr">
-                      <a:solidFill>
-                        <a:schemeClr val="tx1"/>
-                      </a:solidFill>
-                      <a:prstDash val="solid"/>
-                      <a:round/>
-                      <a:headEnd type="none" w="med" len="med"/>
-                      <a:tailEnd type="none" w="med" len="med"/>
-                    </a:lnR>
-                    <a:lnT w="12700" cap="flat" cmpd="sng" algn="ctr">
-                      <a:noFill/>
-                      <a:prstDash val="solid"/>
-                      <a:round/>
-                      <a:headEnd type="none" w="med" len="med"/>
-                      <a:tailEnd type="none" w="med" len="med"/>
-                    </a:lnT>
-                    <a:lnB w="12700" cap="flat" cmpd="sng" algn="ctr">
-                      <a:noFill/>
-                      <a:prstDash val="solid"/>
-                      <a:round/>
-                      <a:headEnd type="none" w="med" len="med"/>
-                      <a:tailEnd type="none" w="med" len="med"/>
-                    </a:lnB>
-                    <a:lnTlToBr w="12700" cmpd="sng">
-                      <a:noFill/>
-                      <a:prstDash val="solid"/>
-                    </a:lnTlToBr>
-                    <a:lnBlToTr w="12700" cmpd="sng">
-                      <a:noFill/>
-                      <a:prstDash val="solid"/>
-                    </a:lnBlToTr>
-                  </a:tcPr>
-                </a:tc>
-                <a:tc>
-                  <a:txBody>
-                    <a:bodyPr/>
-                    <a:lstStyle/>
-                    <a:p>
-                      <a:pPr algn="l"/>
-                      <a:r>
-                        <a:rPr lang="en-US" dirty="0"/>
-                        <a:t>True positive</a:t>
-                      </a:r>
-                    </a:p>
-                  </a:txBody>
-                  <a:tcPr>
-                    <a:lnL w="12700" cap="flat" cmpd="sng" algn="ctr">
-                      <a:solidFill>
-                        <a:schemeClr val="tx1"/>
-                      </a:solidFill>
-                      <a:prstDash val="solid"/>
-                      <a:round/>
-                      <a:headEnd type="none" w="med" len="med"/>
-                      <a:tailEnd type="none" w="med" len="med"/>
-                    </a:lnL>
-                    <a:lnR w="12700" cap="flat" cmpd="sng" algn="ctr">
-                      <a:noFill/>
-                      <a:prstDash val="solid"/>
-                      <a:round/>
-                      <a:headEnd type="none" w="med" len="med"/>
-                      <a:tailEnd type="none" w="med" len="med"/>
-                    </a:lnR>
-                    <a:lnT w="12700" cap="flat" cmpd="sng" algn="ctr">
-                      <a:noFill/>
-                      <a:prstDash val="solid"/>
-                      <a:round/>
-                      <a:headEnd type="none" w="med" len="med"/>
-                      <a:tailEnd type="none" w="med" len="med"/>
-                    </a:lnT>
-                    <a:lnB w="12700" cap="flat" cmpd="sng" algn="ctr">
-                      <a:noFill/>
-                      <a:prstDash val="solid"/>
-                      <a:round/>
-                      <a:headEnd type="none" w="med" len="med"/>
-                      <a:tailEnd type="none" w="med" len="med"/>
-                    </a:lnB>
-                    <a:lnTlToBr w="12700" cmpd="sng">
-                      <a:noFill/>
-                      <a:prstDash val="solid"/>
-                    </a:lnTlToBr>
-                    <a:lnBlToTr w="12700" cmpd="sng">
-                      <a:noFill/>
-                      <a:prstDash val="solid"/>
-                    </a:lnBlToTr>
-                  </a:tcPr>
-                </a:tc>
-                <a:tc>
-                  <a:txBody>
-                    <a:bodyPr/>
-                    <a:lstStyle/>
-                    <a:p>
-                      <a:pPr algn="l"/>
-                      <a:r>
-                        <a:rPr lang="en-US" dirty="0"/>
-                        <a:t> Correct reasoning trace and facts</a:t>
-                      </a:r>
-                    </a:p>
-                  </a:txBody>
-                  <a:tcPr>
-                    <a:lnL w="12700" cap="flat" cmpd="sng" algn="ctr">
-                      <a:noFill/>
-                      <a:prstDash val="solid"/>
-                      <a:round/>
-                      <a:headEnd type="none" w="med" len="med"/>
-                      <a:tailEnd type="none" w="med" len="med"/>
-                    </a:lnL>
-                    <a:lnR w="12700" cap="flat" cmpd="sng" algn="ctr">
-                      <a:noFill/>
-                      <a:prstDash val="solid"/>
-                      <a:round/>
-                      <a:headEnd type="none" w="med" len="med"/>
-                      <a:tailEnd type="none" w="med" len="med"/>
-                    </a:lnR>
-                    <a:lnT w="12700" cap="flat" cmpd="sng" algn="ctr">
-                      <a:noFill/>
-                      <a:prstDash val="solid"/>
-                      <a:round/>
-                      <a:headEnd type="none" w="med" len="med"/>
-                      <a:tailEnd type="none" w="med" len="med"/>
-                    </a:lnT>
-                    <a:lnB w="12700" cap="flat" cmpd="sng" algn="ctr">
-                      <a:noFill/>
-                      <a:prstDash val="solid"/>
-                      <a:round/>
-                      <a:headEnd type="none" w="med" len="med"/>
-                      <a:tailEnd type="none" w="med" len="med"/>
-                    </a:lnB>
-                    <a:lnTlToBr w="12700" cmpd="sng">
-                      <a:noFill/>
-                      <a:prstDash val="solid"/>
-                    </a:lnTlToBr>
-                    <a:lnBlToTr w="12700" cmpd="sng">
-                      <a:noFill/>
-                      <a:prstDash val="solid"/>
-                    </a:lnBlToTr>
-                  </a:tcPr>
-                </a:tc>
-                <a:tc>
-                  <a:txBody>
-                    <a:bodyPr/>
-                    <a:lstStyle/>
-                    <a:p>
-                      <a:pPr algn="ctr"/>
-                      <a:r>
-                        <a:rPr lang="en-US" dirty="0"/>
-                        <a:t>94%</a:t>
-                      </a:r>
-                    </a:p>
-                  </a:txBody>
-                  <a:tcPr>
-                    <a:lnL w="12700" cap="flat" cmpd="sng" algn="ctr">
-                      <a:noFill/>
-                      <a:prstDash val="solid"/>
-                      <a:round/>
-                      <a:headEnd type="none" w="med" len="med"/>
-                      <a:tailEnd type="none" w="med" len="med"/>
-                    </a:lnL>
-                    <a:lnR w="12700" cap="flat" cmpd="sng" algn="ctr">
-                      <a:noFill/>
-                      <a:prstDash val="solid"/>
-                      <a:round/>
-                      <a:headEnd type="none" w="med" len="med"/>
-                      <a:tailEnd type="none" w="med" len="med"/>
-                    </a:lnR>
-                    <a:lnT w="12700" cap="flat" cmpd="sng" algn="ctr">
-                      <a:noFill/>
-                      <a:prstDash val="solid"/>
-                      <a:round/>
-                      <a:headEnd type="none" w="med" len="med"/>
-                      <a:tailEnd type="none" w="med" len="med"/>
-                    </a:lnT>
-                    <a:lnB w="12700" cap="flat" cmpd="sng" algn="ctr">
-                      <a:noFill/>
-                      <a:prstDash val="solid"/>
-                      <a:round/>
-                      <a:headEnd type="none" w="med" len="med"/>
-                      <a:tailEnd type="none" w="med" len="med"/>
-                    </a:lnB>
-                    <a:lnTlToBr w="12700" cmpd="sng">
-                      <a:noFill/>
-                      <a:prstDash val="solid"/>
-                    </a:lnTlToBr>
-                    <a:lnBlToTr w="12700" cmpd="sng">
-                      <a:noFill/>
-                      <a:prstDash val="solid"/>
-                    </a:lnBlToTr>
-                  </a:tcPr>
-                </a:tc>
-                <a:tc>
-                  <a:txBody>
-                    <a:bodyPr/>
-                    <a:lstStyle/>
-                    <a:p>
-                      <a:pPr algn="ctr"/>
-                      <a:r>
-                        <a:rPr lang="en-US" dirty="0"/>
-                        <a:t>86%</a:t>
-                      </a:r>
-                    </a:p>
-                  </a:txBody>
-                  <a:tcPr>
-                    <a:lnL w="12700" cap="flat" cmpd="sng" algn="ctr">
-                      <a:noFill/>
-                      <a:prstDash val="solid"/>
-                      <a:round/>
-                      <a:headEnd type="none" w="med" len="med"/>
-                      <a:tailEnd type="none" w="med" len="med"/>
-                    </a:lnL>
-                    <a:lnR w="12700" cap="flat" cmpd="sng" algn="ctr">
-                      <a:noFill/>
-                      <a:prstDash val="solid"/>
-                      <a:round/>
-                      <a:headEnd type="none" w="med" len="med"/>
-                      <a:tailEnd type="none" w="med" len="med"/>
-                    </a:lnR>
-                    <a:lnT w="12700" cap="flat" cmpd="sng" algn="ctr">
-                      <a:noFill/>
-                      <a:prstDash val="solid"/>
-                      <a:round/>
-                      <a:headEnd type="none" w="med" len="med"/>
-                      <a:tailEnd type="none" w="med" len="med"/>
-                    </a:lnT>
-                    <a:lnB w="12700" cap="flat" cmpd="sng" algn="ctr">
-                      <a:noFill/>
-                      <a:prstDash val="solid"/>
-                      <a:round/>
-                      <a:headEnd type="none" w="med" len="med"/>
-                      <a:tailEnd type="none" w="med" len="med"/>
-                    </a:lnB>
-                    <a:lnTlToBr w="12700" cmpd="sng">
-                      <a:noFill/>
-                      <a:prstDash val="solid"/>
-                    </a:lnTlToBr>
-                    <a:lnBlToTr w="12700" cmpd="sng">
-                      <a:noFill/>
-                      <a:prstDash val="solid"/>
-                    </a:lnBlToTr>
-                  </a:tcPr>
-                </a:tc>
-                <a:extLst>
-                  <a:ext uri="{0D108BD9-81ED-4DB2-BD59-A6C34878D82A}">
-                    <a16:rowId xmlns:a16="http://schemas.microsoft.com/office/drawing/2014/main" val="2238513406"/>
-                  </a:ext>
-                </a:extLst>
-              </a:tr>
-              <a:tr h="651580">
-                <a:tc vMerge="1">
-                  <a:txBody>
-                    <a:bodyPr/>
-                    <a:lstStyle/>
-                    <a:p>
-                      <a:endParaRPr lang="en-US" dirty="0"/>
-                    </a:p>
-                  </a:txBody>
-                  <a:tcPr/>
-                </a:tc>
-                <a:tc>
-                  <a:txBody>
-                    <a:bodyPr/>
-                    <a:lstStyle/>
-                    <a:p>
-                      <a:pPr algn="l"/>
-                      <a:r>
-                        <a:rPr lang="en-US" dirty="0"/>
-                        <a:t>False Positive</a:t>
-                      </a:r>
-                    </a:p>
-                  </a:txBody>
-                  <a:tcPr>
-                    <a:lnL w="12700" cap="flat" cmpd="sng" algn="ctr">
-                      <a:solidFill>
-                        <a:schemeClr val="tx1"/>
-                      </a:solidFill>
-                      <a:prstDash val="solid"/>
-                      <a:round/>
-                      <a:headEnd type="none" w="med" len="med"/>
-                      <a:tailEnd type="none" w="med" len="med"/>
-                    </a:lnL>
-                    <a:lnR w="12700" cap="flat" cmpd="sng" algn="ctr">
-                      <a:noFill/>
-                      <a:prstDash val="solid"/>
-                      <a:round/>
-                      <a:headEnd type="none" w="med" len="med"/>
-                      <a:tailEnd type="none" w="med" len="med"/>
-                    </a:lnR>
-                    <a:lnT w="12700" cap="flat" cmpd="sng" algn="ctr">
-                      <a:noFill/>
-                      <a:prstDash val="solid"/>
-                      <a:round/>
-                      <a:headEnd type="none" w="med" len="med"/>
-                      <a:tailEnd type="none" w="med" len="med"/>
-                    </a:lnT>
-                    <a:lnB w="12700" cap="flat" cmpd="sng" algn="ctr">
-                      <a:noFill/>
-                      <a:prstDash val="solid"/>
-                      <a:round/>
-                      <a:headEnd type="none" w="med" len="med"/>
-                      <a:tailEnd type="none" w="med" len="med"/>
-                    </a:lnB>
-                    <a:lnTlToBr w="12700" cmpd="sng">
-                      <a:noFill/>
-                      <a:prstDash val="solid"/>
-                    </a:lnTlToBr>
-                    <a:lnBlToTr w="12700" cmpd="sng">
-                      <a:noFill/>
-                      <a:prstDash val="solid"/>
-                    </a:lnBlToTr>
-                  </a:tcPr>
-                </a:tc>
-                <a:tc>
-                  <a:txBody>
-                    <a:bodyPr/>
-                    <a:lstStyle/>
-                    <a:p>
-                      <a:r>
-                        <a:rPr lang="en-US" dirty="0"/>
-                        <a:t>Hallucinated reasoning trace or facts</a:t>
-                      </a:r>
-                    </a:p>
-                  </a:txBody>
-                  <a:tcPr>
-                    <a:lnL w="12700" cap="flat" cmpd="sng" algn="ctr">
-                      <a:noFill/>
-                      <a:prstDash val="solid"/>
-                      <a:round/>
-                      <a:headEnd type="none" w="med" len="med"/>
-                      <a:tailEnd type="none" w="med" len="med"/>
-                    </a:lnL>
-                    <a:lnR w="12700" cap="flat" cmpd="sng" algn="ctr">
-                      <a:noFill/>
-                      <a:prstDash val="solid"/>
-                      <a:round/>
-                      <a:headEnd type="none" w="med" len="med"/>
-                      <a:tailEnd type="none" w="med" len="med"/>
-                    </a:lnR>
-                    <a:lnT w="12700" cap="flat" cmpd="sng" algn="ctr">
-                      <a:noFill/>
-                      <a:prstDash val="solid"/>
-                      <a:round/>
-                      <a:headEnd type="none" w="med" len="med"/>
-                      <a:tailEnd type="none" w="med" len="med"/>
-                    </a:lnT>
-                    <a:lnB w="12700" cap="flat" cmpd="sng" algn="ctr">
-                      <a:noFill/>
-                      <a:prstDash val="solid"/>
-                      <a:round/>
-                      <a:headEnd type="none" w="med" len="med"/>
-                      <a:tailEnd type="none" w="med" len="med"/>
-                    </a:lnB>
-                    <a:lnTlToBr w="12700" cmpd="sng">
-                      <a:noFill/>
-                      <a:prstDash val="solid"/>
-                    </a:lnTlToBr>
-                    <a:lnBlToTr w="12700" cmpd="sng">
-                      <a:noFill/>
-                      <a:prstDash val="solid"/>
-                    </a:lnBlToTr>
-                  </a:tcPr>
-                </a:tc>
-                <a:tc>
-                  <a:txBody>
-                    <a:bodyPr/>
-                    <a:lstStyle/>
-                    <a:p>
-                      <a:pPr algn="ctr"/>
-                      <a:r>
-                        <a:rPr lang="en-US" dirty="0"/>
-                        <a:t>6%</a:t>
-                      </a:r>
-                    </a:p>
-                  </a:txBody>
-                  <a:tcPr>
-                    <a:lnL w="12700" cap="flat" cmpd="sng" algn="ctr">
-                      <a:noFill/>
-                      <a:prstDash val="solid"/>
-                      <a:round/>
-                      <a:headEnd type="none" w="med" len="med"/>
-                      <a:tailEnd type="none" w="med" len="med"/>
-                    </a:lnL>
-                    <a:lnR w="12700" cap="flat" cmpd="sng" algn="ctr">
-                      <a:noFill/>
-                      <a:prstDash val="solid"/>
-                      <a:round/>
-                      <a:headEnd type="none" w="med" len="med"/>
-                      <a:tailEnd type="none" w="med" len="med"/>
-                    </a:lnR>
-                    <a:lnT w="12700" cap="flat" cmpd="sng" algn="ctr">
-                      <a:noFill/>
-                      <a:prstDash val="solid"/>
-                      <a:round/>
-                      <a:headEnd type="none" w="med" len="med"/>
-                      <a:tailEnd type="none" w="med" len="med"/>
-                    </a:lnT>
-                    <a:lnB w="12700" cap="flat" cmpd="sng" algn="ctr">
-                      <a:noFill/>
-                      <a:prstDash val="solid"/>
-                      <a:round/>
-                      <a:headEnd type="none" w="med" len="med"/>
-                      <a:tailEnd type="none" w="med" len="med"/>
-                    </a:lnB>
-                    <a:lnTlToBr w="12700" cmpd="sng">
-                      <a:noFill/>
-                      <a:prstDash val="solid"/>
-                    </a:lnTlToBr>
-                    <a:lnBlToTr w="12700" cmpd="sng">
-                      <a:noFill/>
-                      <a:prstDash val="solid"/>
-                    </a:lnBlToTr>
-                  </a:tcPr>
-                </a:tc>
-                <a:tc>
-                  <a:txBody>
-                    <a:bodyPr/>
-                    <a:lstStyle/>
-                    <a:p>
-                      <a:pPr algn="ctr"/>
-                      <a:r>
-                        <a:rPr lang="en-US" dirty="0"/>
-                        <a:t>14%</a:t>
-                      </a:r>
-                    </a:p>
-                  </a:txBody>
-                  <a:tcPr>
-                    <a:lnL w="12700" cap="flat" cmpd="sng" algn="ctr">
-                      <a:noFill/>
-                      <a:prstDash val="solid"/>
-                      <a:round/>
-                      <a:headEnd type="none" w="med" len="med"/>
-                      <a:tailEnd type="none" w="med" len="med"/>
-                    </a:lnL>
-                    <a:lnR w="12700" cap="flat" cmpd="sng" algn="ctr">
-                      <a:noFill/>
-                      <a:prstDash val="solid"/>
-                      <a:round/>
-                      <a:headEnd type="none" w="med" len="med"/>
-                      <a:tailEnd type="none" w="med" len="med"/>
-                    </a:lnR>
-                    <a:lnT w="12700" cap="flat" cmpd="sng" algn="ctr">
-                      <a:noFill/>
-                      <a:prstDash val="solid"/>
-                      <a:round/>
-                      <a:headEnd type="none" w="med" len="med"/>
-                      <a:tailEnd type="none" w="med" len="med"/>
-                    </a:lnT>
-                    <a:lnB w="12700" cap="flat" cmpd="sng" algn="ctr">
-                      <a:noFill/>
-                      <a:prstDash val="solid"/>
-                      <a:round/>
-                      <a:headEnd type="none" w="med" len="med"/>
-                      <a:tailEnd type="none" w="med" len="med"/>
-                    </a:lnB>
-                    <a:lnTlToBr w="12700" cmpd="sng">
-                      <a:noFill/>
-                      <a:prstDash val="solid"/>
-                    </a:lnTlToBr>
-                    <a:lnBlToTr w="12700" cmpd="sng">
-                      <a:noFill/>
-                      <a:prstDash val="solid"/>
-                    </a:lnBlToTr>
-                  </a:tcPr>
-                </a:tc>
-                <a:extLst>
-                  <a:ext uri="{0D108BD9-81ED-4DB2-BD59-A6C34878D82A}">
-                    <a16:rowId xmlns:a16="http://schemas.microsoft.com/office/drawing/2014/main" val="3548270565"/>
-                  </a:ext>
-                </a:extLst>
-              </a:tr>
-              <a:tr h="809601">
-                <a:tc rowSpan="4">
-                  <a:txBody>
-                    <a:bodyPr/>
-                    <a:lstStyle/>
-                    <a:p>
-                      <a:pPr algn="ctr"/>
-                      <a:r>
-                        <a:rPr lang="en-US" dirty="0"/>
-                        <a:t>Failure</a:t>
-                      </a:r>
-                    </a:p>
-                  </a:txBody>
-                  <a:tcPr anchor="ctr">
-                    <a:lnR w="12700" cap="flat" cmpd="sng" algn="ctr">
-                      <a:solidFill>
-                        <a:schemeClr val="tx1"/>
-                      </a:solidFill>
-                      <a:prstDash val="solid"/>
-                      <a:round/>
-                      <a:headEnd type="none" w="med" len="med"/>
-                      <a:tailEnd type="none" w="med" len="med"/>
-                    </a:lnR>
-                    <a:lnT w="12700" cap="flat" cmpd="sng" algn="ctr">
-                      <a:noFill/>
-                      <a:prstDash val="solid"/>
-                      <a:round/>
-                      <a:headEnd type="none" w="med" len="med"/>
-                      <a:tailEnd type="none" w="med" len="med"/>
-                    </a:lnT>
-                  </a:tcPr>
-                </a:tc>
-                <a:tc>
-                  <a:txBody>
-                    <a:bodyPr/>
-                    <a:lstStyle/>
-                    <a:p>
-                      <a:pPr algn="l"/>
-                      <a:r>
-                        <a:rPr lang="en-US" dirty="0"/>
-                        <a:t>Reasoning error</a:t>
-                      </a:r>
-                    </a:p>
-                  </a:txBody>
-                  <a:tcPr>
-                    <a:lnL w="12700" cap="flat" cmpd="sng" algn="ctr">
-                      <a:solidFill>
-                        <a:schemeClr val="tx1"/>
-                      </a:solidFill>
-                      <a:prstDash val="solid"/>
-                      <a:round/>
-                      <a:headEnd type="none" w="med" len="med"/>
-                      <a:tailEnd type="none" w="med" len="med"/>
-                    </a:lnL>
-                    <a:lnT w="12700" cap="flat" cmpd="sng" algn="ctr">
-                      <a:noFill/>
-                      <a:prstDash val="solid"/>
-                      <a:round/>
-                      <a:headEnd type="none" w="med" len="med"/>
-                      <a:tailEnd type="none" w="med" len="med"/>
-                    </a:lnT>
-                  </a:tcPr>
-                </a:tc>
-                <a:tc>
-                  <a:txBody>
-                    <a:bodyPr/>
-                    <a:lstStyle/>
-                    <a:p>
-                      <a:r>
-                        <a:rPr lang="en-US" dirty="0"/>
-                        <a:t>Wrong reasoning trace (including failing to recover from repetitive steps)</a:t>
-                      </a:r>
-                    </a:p>
-                  </a:txBody>
-                  <a:tcPr>
-                    <a:lnT w="12700" cap="flat" cmpd="sng" algn="ctr">
-                      <a:noFill/>
-                      <a:prstDash val="solid"/>
-                      <a:round/>
-                      <a:headEnd type="none" w="med" len="med"/>
-                      <a:tailEnd type="none" w="med" len="med"/>
-                    </a:lnT>
-                  </a:tcPr>
-                </a:tc>
-                <a:tc>
-                  <a:txBody>
-                    <a:bodyPr/>
-                    <a:lstStyle/>
-                    <a:p>
-                      <a:pPr algn="ctr"/>
-                      <a:r>
-                        <a:rPr lang="en-US" dirty="0"/>
-                        <a:t>47%</a:t>
-                      </a:r>
-                    </a:p>
-                  </a:txBody>
-                  <a:tcPr>
-                    <a:lnT w="12700" cap="flat" cmpd="sng" algn="ctr">
-                      <a:noFill/>
-                      <a:prstDash val="solid"/>
-                      <a:round/>
-                      <a:headEnd type="none" w="med" len="med"/>
-                      <a:tailEnd type="none" w="med" len="med"/>
-                    </a:lnT>
-                  </a:tcPr>
-                </a:tc>
-                <a:tc>
-                  <a:txBody>
-                    <a:bodyPr/>
-                    <a:lstStyle/>
-                    <a:p>
-                      <a:pPr algn="ctr"/>
-                      <a:r>
-                        <a:rPr lang="en-US" dirty="0"/>
-                        <a:t>16%</a:t>
-                      </a:r>
-                    </a:p>
-                  </a:txBody>
-                  <a:tcPr>
-                    <a:lnT w="12700" cap="flat" cmpd="sng" algn="ctr">
-                      <a:noFill/>
-                      <a:prstDash val="solid"/>
-                      <a:round/>
-                      <a:headEnd type="none" w="med" len="med"/>
-                      <a:tailEnd type="none" w="med" len="med"/>
-                    </a:lnT>
-                  </a:tcPr>
-                </a:tc>
-                <a:extLst>
-                  <a:ext uri="{0D108BD9-81ED-4DB2-BD59-A6C34878D82A}">
-                    <a16:rowId xmlns:a16="http://schemas.microsoft.com/office/drawing/2014/main" val="1651930191"/>
-                  </a:ext>
-                </a:extLst>
-              </a:tr>
-              <a:tr h="587180">
-                <a:tc vMerge="1">
-                  <a:txBody>
-                    <a:bodyPr/>
-                    <a:lstStyle/>
-                    <a:p>
-                      <a:endParaRPr lang="en-US" dirty="0"/>
-                    </a:p>
-                  </a:txBody>
-                  <a:tcPr/>
-                </a:tc>
-                <a:tc>
-                  <a:txBody>
-                    <a:bodyPr/>
-                    <a:lstStyle/>
-                    <a:p>
-                      <a:pPr algn="l"/>
-                      <a:r>
-                        <a:rPr lang="en-US" dirty="0"/>
-                        <a:t>Search result error</a:t>
-                      </a:r>
-                    </a:p>
-                  </a:txBody>
-                  <a:tcPr>
-                    <a:lnL w="12700" cap="flat" cmpd="sng" algn="ctr">
-                      <a:solidFill>
-                        <a:schemeClr val="tx1"/>
-                      </a:solidFill>
-                      <a:prstDash val="solid"/>
-                      <a:round/>
-                      <a:headEnd type="none" w="med" len="med"/>
-                      <a:tailEnd type="none" w="med" len="med"/>
-                    </a:lnL>
-                  </a:tcPr>
-                </a:tc>
-                <a:tc>
-                  <a:txBody>
-                    <a:bodyPr/>
-                    <a:lstStyle/>
-                    <a:p>
-                      <a:r>
-                        <a:rPr lang="en-US" dirty="0"/>
-                        <a:t> Search return empty or does not contain useful information</a:t>
-                      </a:r>
-                    </a:p>
-                  </a:txBody>
-                  <a:tcPr/>
-                </a:tc>
-                <a:tc>
-                  <a:txBody>
-                    <a:bodyPr/>
-                    <a:lstStyle/>
-                    <a:p>
-                      <a:pPr algn="ctr"/>
-                      <a:r>
-                        <a:rPr lang="en-US" dirty="0"/>
-                        <a:t>23%</a:t>
-                      </a:r>
-                    </a:p>
-                  </a:txBody>
-                  <a:tcPr/>
-                </a:tc>
-                <a:tc>
-                  <a:txBody>
-                    <a:bodyPr/>
-                    <a:lstStyle/>
-                    <a:p>
-                      <a:pPr algn="ctr"/>
-                      <a:r>
-                        <a:rPr lang="en-US" dirty="0"/>
-                        <a:t>-</a:t>
-                      </a:r>
-                    </a:p>
-                  </a:txBody>
-                  <a:tcPr/>
-                </a:tc>
-                <a:extLst>
-                  <a:ext uri="{0D108BD9-81ED-4DB2-BD59-A6C34878D82A}">
-                    <a16:rowId xmlns:a16="http://schemas.microsoft.com/office/drawing/2014/main" val="1985350623"/>
-                  </a:ext>
-                </a:extLst>
-              </a:tr>
-              <a:tr h="350851">
-                <a:tc vMerge="1">
-                  <a:txBody>
-                    <a:bodyPr/>
-                    <a:lstStyle/>
-                    <a:p>
-                      <a:endParaRPr lang="en-US" dirty="0"/>
-                    </a:p>
-                  </a:txBody>
-                  <a:tcPr/>
-                </a:tc>
-                <a:tc>
-                  <a:txBody>
-                    <a:bodyPr/>
-                    <a:lstStyle/>
-                    <a:p>
-                      <a:pPr algn="l"/>
-                      <a:r>
-                        <a:rPr lang="en-US" dirty="0"/>
-                        <a:t>Hallucination</a:t>
-                      </a:r>
-                    </a:p>
-                  </a:txBody>
-                  <a:tcPr>
-                    <a:lnL w="12700" cap="flat" cmpd="sng" algn="ctr">
-                      <a:solidFill>
-                        <a:schemeClr val="tx1"/>
-                      </a:solidFill>
-                      <a:prstDash val="solid"/>
-                      <a:round/>
-                      <a:headEnd type="none" w="med" len="med"/>
-                      <a:tailEnd type="none" w="med" len="med"/>
-                    </a:lnL>
-                  </a:tcPr>
-                </a:tc>
-                <a:tc>
-                  <a:txBody>
-                    <a:bodyPr/>
-                    <a:lstStyle/>
-                    <a:p>
-                      <a:r>
-                        <a:rPr lang="en-US" dirty="0"/>
-                        <a:t>Hallucinated reasoning trace or facts</a:t>
-                      </a:r>
-                    </a:p>
-                  </a:txBody>
-                  <a:tcPr/>
-                </a:tc>
-                <a:tc>
-                  <a:txBody>
-                    <a:bodyPr/>
-                    <a:lstStyle/>
-                    <a:p>
-                      <a:pPr algn="ctr"/>
-                      <a:r>
-                        <a:rPr lang="en-US" dirty="0"/>
-                        <a:t>0%</a:t>
-                      </a:r>
-                    </a:p>
-                  </a:txBody>
-                  <a:tcPr/>
-                </a:tc>
-                <a:tc>
-                  <a:txBody>
-                    <a:bodyPr/>
-                    <a:lstStyle/>
-                    <a:p>
-                      <a:pPr algn="ctr"/>
-                      <a:r>
-                        <a:rPr lang="en-US" dirty="0"/>
-                        <a:t>56%</a:t>
-                      </a:r>
-                    </a:p>
-                  </a:txBody>
-                  <a:tcPr/>
-                </a:tc>
-                <a:extLst>
-                  <a:ext uri="{0D108BD9-81ED-4DB2-BD59-A6C34878D82A}">
-                    <a16:rowId xmlns:a16="http://schemas.microsoft.com/office/drawing/2014/main" val="4284107275"/>
-                  </a:ext>
-                </a:extLst>
-              </a:tr>
-              <a:tr h="587180">
-                <a:tc vMerge="1">
-                  <a:txBody>
-                    <a:bodyPr/>
-                    <a:lstStyle/>
-                    <a:p>
-                      <a:endParaRPr lang="en-US" dirty="0"/>
-                    </a:p>
-                  </a:txBody>
-                  <a:tcPr/>
-                </a:tc>
-                <a:tc>
-                  <a:txBody>
-                    <a:bodyPr/>
-                    <a:lstStyle/>
-                    <a:p>
-                      <a:pPr algn="l"/>
-                      <a:r>
-                        <a:rPr lang="en-US" dirty="0"/>
-                        <a:t>Label ambiguity</a:t>
-                      </a:r>
-                    </a:p>
-                  </a:txBody>
-                  <a:tcPr>
-                    <a:lnL w="12700" cap="flat" cmpd="sng" algn="ctr">
-                      <a:solidFill>
-                        <a:schemeClr val="tx1"/>
-                      </a:solidFill>
-                      <a:prstDash val="solid"/>
-                      <a:round/>
-                      <a:headEnd type="none" w="med" len="med"/>
-                      <a:tailEnd type="none" w="med" len="med"/>
-                    </a:lnL>
-                  </a:tcPr>
-                </a:tc>
-                <a:tc>
-                  <a:txBody>
-                    <a:bodyPr/>
-                    <a:lstStyle/>
-                    <a:p>
-                      <a:r>
-                        <a:rPr lang="en-US" dirty="0"/>
-                        <a:t>Right prediction but did not match the label precisely</a:t>
-                      </a:r>
-                    </a:p>
-                  </a:txBody>
-                  <a:tcPr/>
-                </a:tc>
-                <a:tc>
-                  <a:txBody>
-                    <a:bodyPr/>
-                    <a:lstStyle/>
-                    <a:p>
-                      <a:pPr algn="ctr"/>
-                      <a:r>
-                        <a:rPr lang="en-US" dirty="0"/>
-                        <a:t>29%</a:t>
-                      </a:r>
-                    </a:p>
-                  </a:txBody>
-                  <a:tcPr/>
-                </a:tc>
-                <a:tc>
-                  <a:txBody>
-                    <a:bodyPr/>
-                    <a:lstStyle/>
-                    <a:p>
-                      <a:pPr algn="ctr"/>
-                      <a:r>
-                        <a:rPr lang="en-US" dirty="0"/>
-                        <a:t>28%</a:t>
-                      </a:r>
-                    </a:p>
-                  </a:txBody>
-                  <a:tcPr/>
-                </a:tc>
-                <a:extLst>
-                  <a:ext uri="{0D108BD9-81ED-4DB2-BD59-A6C34878D82A}">
-                    <a16:rowId xmlns:a16="http://schemas.microsoft.com/office/drawing/2014/main" val="925098102"/>
-                  </a:ext>
-                </a:extLst>
-              </a:tr>
-            </a:tbl>
-          </a:graphicData>
-        </a:graphic>
-      </p:graphicFrame>
-      <p:sp>
-        <p:nvSpPr>
-          <p:cNvPr id="4" name="TextBox 3">
-            <a:extLst>
-              <a:ext uri="{FF2B5EF4-FFF2-40B4-BE49-F238E27FC236}">
-                <a16:creationId xmlns:a16="http://schemas.microsoft.com/office/drawing/2014/main" id="{02F5B921-1183-588D-B136-9877A9249F13}"/>
-              </a:ext>
-            </a:extLst>
-          </p:cNvPr>
-          <p:cNvSpPr txBox="1"/>
-          <p:nvPr/>
-        </p:nvSpPr>
-        <p:spPr>
-          <a:xfrm>
-            <a:off x="1057275" y="6100888"/>
-            <a:ext cx="10077450" cy="646331"/>
-          </a:xfrm>
-          <a:prstGeom prst="rect">
-            <a:avLst/>
-          </a:prstGeom>
-          <a:noFill/>
-        </p:spPr>
-        <p:txBody>
-          <a:bodyPr wrap="square" rtlCol="0">
-            <a:spAutoFit/>
-          </a:bodyPr>
-          <a:lstStyle/>
-          <a:p>
-            <a:r>
-              <a:rPr lang="en-US" dirty="0"/>
-              <a:t>Table 2: Types of success and failure modes of </a:t>
-            </a:r>
-            <a:r>
-              <a:rPr lang="en-US" dirty="0" err="1"/>
-              <a:t>ReAct</a:t>
-            </a:r>
-            <a:r>
-              <a:rPr lang="en-US" dirty="0"/>
-              <a:t> and </a:t>
-            </a:r>
-            <a:r>
-              <a:rPr lang="en-US" dirty="0" err="1"/>
-              <a:t>CoT</a:t>
-            </a:r>
-            <a:r>
-              <a:rPr lang="en-US" dirty="0"/>
-              <a:t> on </a:t>
-            </a:r>
-            <a:r>
-              <a:rPr lang="en-US" dirty="0" err="1"/>
-              <a:t>HotpotQA</a:t>
-            </a:r>
-            <a:r>
-              <a:rPr lang="en-US" dirty="0"/>
-              <a:t>, as well as their percentages in randomly selected examples studied by human.</a:t>
-            </a:r>
-          </a:p>
-        </p:txBody>
-      </p:sp>
-    </p:spTree>
-    <p:extLst>
-      <p:ext uri="{BB962C8B-B14F-4D97-AF65-F5344CB8AC3E}">
-        <p14:creationId xmlns:p14="http://schemas.microsoft.com/office/powerpoint/2010/main" val="1701112091"/>
-      </p:ext>
-    </p:extLst>
-  </p:cSld>
-  <p:clrMapOvr>
-    <a:masterClrMapping/>
-  </p:clrMapOvr>
-</p:sld>
-</file>
-
-<file path=ppt/slides/slide14.xml><?xml version="1.0" encoding="utf-8"?>
-<p:sld xmlns:a="http://schemas.openxmlformats.org/drawingml/2006/main" xmlns:r="http://schemas.openxmlformats.org/officeDocument/2006/relationships" xmlns:p="http://schemas.openxmlformats.org/presentationml/2006/main">
-  <p:cSld>
-    <p:spTree>
-      <p:nvGrpSpPr>
-        <p:cNvPr id="1" name=""/>
-        <p:cNvGrpSpPr/>
-        <p:nvPr/>
-      </p:nvGrpSpPr>
-      <p:grpSpPr>
-        <a:xfrm>
-          <a:off x="0" y="0"/>
-          <a:ext cx="0" cy="0"/>
-          <a:chOff x="0" y="0"/>
-          <a:chExt cx="0" cy="0"/>
-        </a:xfrm>
-      </p:grpSpPr>
       <p:pic>
         <p:nvPicPr>
           <p:cNvPr id="5" name="Picture 4">
@@ -8292,7 +7036,7 @@
 </p:sld>
 </file>
 
-<file path=ppt/slides/slide15.xml><?xml version="1.0" encoding="utf-8"?>
+<file path=ppt/slides/slide14.xml><?xml version="1.0" encoding="utf-8"?>
 <p:sld xmlns:a="http://schemas.openxmlformats.org/drawingml/2006/main" xmlns:r="http://schemas.openxmlformats.org/officeDocument/2006/relationships" xmlns:p="http://schemas.openxmlformats.org/presentationml/2006/main">
   <p:cSld>
     <p:spTree>
@@ -8455,7 +7199,7 @@
 </p:sld>
 </file>
 
-<file path=ppt/slides/slide16.xml><?xml version="1.0" encoding="utf-8"?>
+<file path=ppt/slides/slide15.xml><?xml version="1.0" encoding="utf-8"?>
 <p:sld xmlns:a="http://schemas.openxmlformats.org/drawingml/2006/main" xmlns:r="http://schemas.openxmlformats.org/officeDocument/2006/relationships" xmlns:p="http://schemas.openxmlformats.org/presentationml/2006/main">
   <p:cSld>
     <p:spTree>
@@ -11968,7 +10712,7 @@
           <a:p>
             <a:r>
               <a:rPr lang="en-US" dirty="0"/>
-              <a:t>Table 3:  </a:t>
+              <a:t>Table 2:  </a:t>
             </a:r>
             <a:r>
               <a:rPr lang="en-US" dirty="0" err="1"/>
@@ -11994,7 +10738,7 @@
 </p:sld>
 </file>
 
-<file path=ppt/slides/slide17.xml><?xml version="1.0" encoding="utf-8"?>
+<file path=ppt/slides/slide16.xml><?xml version="1.0" encoding="utf-8"?>
 <p:sld xmlns:a="http://schemas.openxmlformats.org/drawingml/2006/main" xmlns:r="http://schemas.openxmlformats.org/officeDocument/2006/relationships" xmlns:p="http://schemas.openxmlformats.org/presentationml/2006/main">
   <p:cSld>
     <p:spTree>
@@ -12415,10 +11159,17 @@
           <a:lstStyle/>
           <a:p>
             <a:r>
-              <a:rPr lang="en-US"/>
-              <a:t>Table 4: Score and success rate (SR) on Webshop. IL/IL+RL</a:t>
-            </a:r>
-            <a:endParaRPr lang="en-US" dirty="0"/>
+              <a:rPr lang="en-US" dirty="0"/>
+              <a:t>Table 3: Score and success rate (SR) on </a:t>
+            </a:r>
+            <a:r>
+              <a:rPr lang="en-US" dirty="0" err="1"/>
+              <a:t>Webshop</a:t>
+            </a:r>
+            <a:r>
+              <a:rPr lang="en-US" dirty="0"/>
+              <a:t>.</a:t>
+            </a:r>
           </a:p>
         </p:txBody>
       </p:sp>
@@ -12435,7 +11186,7 @@
 </p:sld>
 </file>
 
-<file path=ppt/slides/slide18.xml><?xml version="1.0" encoding="utf-8"?>
+<file path=ppt/slides/slide17.xml><?xml version="1.0" encoding="utf-8"?>
 <p:sld xmlns:a="http://schemas.openxmlformats.org/drawingml/2006/main" xmlns:r="http://schemas.openxmlformats.org/officeDocument/2006/relationships" xmlns:p="http://schemas.openxmlformats.org/presentationml/2006/main">
   <p:cSld>
     <p:spTree>
@@ -12581,7 +11332,7 @@
 </p:sld>
 </file>
 
-<file path=ppt/slides/slide19.xml><?xml version="1.0" encoding="utf-8"?>
+<file path=ppt/slides/slide18.xml><?xml version="1.0" encoding="utf-8"?>
 <p:sld xmlns:a="http://schemas.openxmlformats.org/drawingml/2006/main" xmlns:r="http://schemas.openxmlformats.org/officeDocument/2006/relationships" xmlns:p="http://schemas.openxmlformats.org/presentationml/2006/main">
   <p:cSld>
     <p:bg>
@@ -13023,6 +11774,465 @@
 </p:sld>
 </file>
 
+<file path=ppt/slides/slide19.xml><?xml version="1.0" encoding="utf-8"?>
+<p:sld xmlns:a="http://schemas.openxmlformats.org/drawingml/2006/main" xmlns:r="http://schemas.openxmlformats.org/officeDocument/2006/relationships" xmlns:p="http://schemas.openxmlformats.org/presentationml/2006/main">
+  <p:cSld>
+    <p:spTree>
+      <p:nvGrpSpPr>
+        <p:cNvPr id="1" name=""/>
+        <p:cNvGrpSpPr/>
+        <p:nvPr/>
+      </p:nvGrpSpPr>
+      <p:grpSpPr>
+        <a:xfrm>
+          <a:off x="0" y="0"/>
+          <a:ext cx="0" cy="0"/>
+          <a:chOff x="0" y="0"/>
+          <a:chExt cx="0" cy="0"/>
+        </a:xfrm>
+      </p:grpSpPr>
+      <p:sp>
+        <p:nvSpPr>
+          <p:cNvPr id="2" name="Title 1">
+            <a:extLst>
+              <a:ext uri="{FF2B5EF4-FFF2-40B4-BE49-F238E27FC236}">
+                <a16:creationId xmlns:a16="http://schemas.microsoft.com/office/drawing/2014/main" id="{D1738851-7576-9445-C9E0-4DC41BE378D3}"/>
+              </a:ext>
+            </a:extLst>
+          </p:cNvPr>
+          <p:cNvSpPr>
+            <a:spLocks noGrp="1"/>
+          </p:cNvSpPr>
+          <p:nvPr>
+            <p:ph type="title"/>
+          </p:nvPr>
+        </p:nvSpPr>
+        <p:spPr/>
+        <p:txBody>
+          <a:bodyPr/>
+          <a:lstStyle/>
+          <a:p>
+            <a:r>
+              <a:rPr lang="en-US" dirty="0"/>
+              <a:t>References</a:t>
+            </a:r>
+          </a:p>
+        </p:txBody>
+      </p:sp>
+      <p:sp>
+        <p:nvSpPr>
+          <p:cNvPr id="3" name="Content Placeholder 2">
+            <a:extLst>
+              <a:ext uri="{FF2B5EF4-FFF2-40B4-BE49-F238E27FC236}">
+                <a16:creationId xmlns:a16="http://schemas.microsoft.com/office/drawing/2014/main" id="{73723976-3E9D-7DF4-94FD-30DB601C1F5E}"/>
+              </a:ext>
+            </a:extLst>
+          </p:cNvPr>
+          <p:cNvSpPr>
+            <a:spLocks noGrp="1"/>
+          </p:cNvSpPr>
+          <p:nvPr>
+            <p:ph idx="1"/>
+          </p:nvPr>
+        </p:nvSpPr>
+        <p:spPr/>
+        <p:txBody>
+          <a:bodyPr anchor="t"/>
+          <a:lstStyle/>
+          <a:p>
+            <a:pPr marL="342900" indent="-342900">
+              <a:buFont typeface="+mj-lt"/>
+              <a:buAutoNum type="arabicPeriod"/>
+            </a:pPr>
+            <a:r>
+              <a:rPr lang="en-US" b="0" i="0" dirty="0">
+                <a:solidFill>
+                  <a:srgbClr val="222222"/>
+                </a:solidFill>
+                <a:effectLst/>
+                <a:latin typeface="Arial" panose="020B0604020202020204" pitchFamily="34" charset="0"/>
+              </a:rPr>
+              <a:t>Yao, </a:t>
+            </a:r>
+            <a:r>
+              <a:rPr lang="en-US" b="0" i="0" dirty="0" err="1">
+                <a:solidFill>
+                  <a:srgbClr val="222222"/>
+                </a:solidFill>
+                <a:effectLst/>
+                <a:latin typeface="Arial" panose="020B0604020202020204" pitchFamily="34" charset="0"/>
+              </a:rPr>
+              <a:t>Shunyu</a:t>
+            </a:r>
+            <a:r>
+              <a:rPr lang="en-US" b="0" i="0" dirty="0">
+                <a:solidFill>
+                  <a:srgbClr val="222222"/>
+                </a:solidFill>
+                <a:effectLst/>
+                <a:latin typeface="Arial" panose="020B0604020202020204" pitchFamily="34" charset="0"/>
+              </a:rPr>
+              <a:t>, et al. "</a:t>
+            </a:r>
+            <a:r>
+              <a:rPr lang="en-US" b="0" i="0" dirty="0" err="1">
+                <a:solidFill>
+                  <a:srgbClr val="222222"/>
+                </a:solidFill>
+                <a:effectLst/>
+                <a:latin typeface="Arial" panose="020B0604020202020204" pitchFamily="34" charset="0"/>
+              </a:rPr>
+              <a:t>ReAct</a:t>
+            </a:r>
+            <a:r>
+              <a:rPr lang="en-US" b="0" i="0" dirty="0">
+                <a:solidFill>
+                  <a:srgbClr val="222222"/>
+                </a:solidFill>
+                <a:effectLst/>
+                <a:latin typeface="Arial" panose="020B0604020202020204" pitchFamily="34" charset="0"/>
+              </a:rPr>
+              <a:t>: synergizing reasoning and acting in language models (2022)." </a:t>
+            </a:r>
+            <a:r>
+              <a:rPr lang="en-US" b="0" i="1" dirty="0" err="1">
+                <a:solidFill>
+                  <a:srgbClr val="222222"/>
+                </a:solidFill>
+                <a:effectLst/>
+                <a:latin typeface="Arial" panose="020B0604020202020204" pitchFamily="34" charset="0"/>
+              </a:rPr>
+              <a:t>arXiv</a:t>
+            </a:r>
+            <a:r>
+              <a:rPr lang="en-US" b="0" i="1" dirty="0">
+                <a:solidFill>
+                  <a:srgbClr val="222222"/>
+                </a:solidFill>
+                <a:effectLst/>
+                <a:latin typeface="Arial" panose="020B0604020202020204" pitchFamily="34" charset="0"/>
+              </a:rPr>
+              <a:t> preprint arXiv:2210.03629</a:t>
+            </a:r>
+            <a:r>
+              <a:rPr lang="en-US" b="0" i="0" dirty="0">
+                <a:solidFill>
+                  <a:srgbClr val="222222"/>
+                </a:solidFill>
+                <a:effectLst/>
+                <a:latin typeface="Arial" panose="020B0604020202020204" pitchFamily="34" charset="0"/>
+              </a:rPr>
+              <a:t> (2023).</a:t>
+            </a:r>
+          </a:p>
+          <a:p>
+            <a:pPr marL="342900" indent="-342900">
+              <a:buFont typeface="+mj-lt"/>
+              <a:buAutoNum type="arabicPeriod"/>
+            </a:pPr>
+            <a:r>
+              <a:rPr lang="en-US" b="0" i="0" dirty="0">
+                <a:solidFill>
+                  <a:srgbClr val="222222"/>
+                </a:solidFill>
+                <a:effectLst/>
+                <a:latin typeface="Arial" panose="020B0604020202020204" pitchFamily="34" charset="0"/>
+              </a:rPr>
+              <a:t>Yang, Zhilin, et al. "</a:t>
+            </a:r>
+            <a:r>
+              <a:rPr lang="en-US" b="0" i="0" dirty="0" err="1">
+                <a:solidFill>
+                  <a:srgbClr val="222222"/>
+                </a:solidFill>
+                <a:effectLst/>
+                <a:latin typeface="Arial" panose="020B0604020202020204" pitchFamily="34" charset="0"/>
+              </a:rPr>
+              <a:t>HotpotQA</a:t>
+            </a:r>
+            <a:r>
+              <a:rPr lang="en-US" b="0" i="0" dirty="0">
+                <a:solidFill>
+                  <a:srgbClr val="222222"/>
+                </a:solidFill>
+                <a:effectLst/>
+                <a:latin typeface="Arial" panose="020B0604020202020204" pitchFamily="34" charset="0"/>
+              </a:rPr>
+              <a:t>: A dataset for diverse, explainable multi-hop question answering." </a:t>
+            </a:r>
+            <a:r>
+              <a:rPr lang="en-US" b="0" i="1" dirty="0" err="1">
+                <a:solidFill>
+                  <a:srgbClr val="222222"/>
+                </a:solidFill>
+                <a:effectLst/>
+                <a:latin typeface="Arial" panose="020B0604020202020204" pitchFamily="34" charset="0"/>
+              </a:rPr>
+              <a:t>arXiv</a:t>
+            </a:r>
+            <a:r>
+              <a:rPr lang="en-US" b="0" i="1" dirty="0">
+                <a:solidFill>
+                  <a:srgbClr val="222222"/>
+                </a:solidFill>
+                <a:effectLst/>
+                <a:latin typeface="Arial" panose="020B0604020202020204" pitchFamily="34" charset="0"/>
+              </a:rPr>
+              <a:t> preprint arXiv:1809.09600</a:t>
+            </a:r>
+            <a:r>
+              <a:rPr lang="en-US" b="0" i="0" dirty="0">
+                <a:solidFill>
+                  <a:srgbClr val="222222"/>
+                </a:solidFill>
+                <a:effectLst/>
+                <a:latin typeface="Arial" panose="020B0604020202020204" pitchFamily="34" charset="0"/>
+              </a:rPr>
+              <a:t> (2018).</a:t>
+            </a:r>
+          </a:p>
+          <a:p>
+            <a:pPr marL="342900" indent="-342900">
+              <a:buFont typeface="+mj-lt"/>
+              <a:buAutoNum type="arabicPeriod"/>
+            </a:pPr>
+            <a:r>
+              <a:rPr lang="en-US" b="0" i="0" dirty="0">
+                <a:solidFill>
+                  <a:srgbClr val="222222"/>
+                </a:solidFill>
+                <a:effectLst/>
+                <a:latin typeface="Arial" panose="020B0604020202020204" pitchFamily="34" charset="0"/>
+              </a:rPr>
+              <a:t>Thorne, James, et al. "FEVER: a large-scale dataset for fact extraction and </a:t>
+            </a:r>
+            <a:r>
+              <a:rPr lang="en-US" b="0" i="0" dirty="0" err="1">
+                <a:solidFill>
+                  <a:srgbClr val="222222"/>
+                </a:solidFill>
+                <a:effectLst/>
+                <a:latin typeface="Arial" panose="020B0604020202020204" pitchFamily="34" charset="0"/>
+              </a:rPr>
+              <a:t>VERification</a:t>
+            </a:r>
+            <a:r>
+              <a:rPr lang="en-US" b="0" i="0" dirty="0">
+                <a:solidFill>
+                  <a:srgbClr val="222222"/>
+                </a:solidFill>
+                <a:effectLst/>
+                <a:latin typeface="Arial" panose="020B0604020202020204" pitchFamily="34" charset="0"/>
+              </a:rPr>
+              <a:t>." </a:t>
+            </a:r>
+            <a:r>
+              <a:rPr lang="en-US" b="0" i="1" dirty="0" err="1">
+                <a:solidFill>
+                  <a:srgbClr val="222222"/>
+                </a:solidFill>
+                <a:effectLst/>
+                <a:latin typeface="Arial" panose="020B0604020202020204" pitchFamily="34" charset="0"/>
+              </a:rPr>
+              <a:t>arXiv</a:t>
+            </a:r>
+            <a:r>
+              <a:rPr lang="en-US" b="0" i="1" dirty="0">
+                <a:solidFill>
+                  <a:srgbClr val="222222"/>
+                </a:solidFill>
+                <a:effectLst/>
+                <a:latin typeface="Arial" panose="020B0604020202020204" pitchFamily="34" charset="0"/>
+              </a:rPr>
+              <a:t> preprint arXiv:1803.05355</a:t>
+            </a:r>
+            <a:r>
+              <a:rPr lang="en-US" b="0" i="0" dirty="0">
+                <a:solidFill>
+                  <a:srgbClr val="222222"/>
+                </a:solidFill>
+                <a:effectLst/>
+                <a:latin typeface="Arial" panose="020B0604020202020204" pitchFamily="34" charset="0"/>
+              </a:rPr>
+              <a:t> (2018).</a:t>
+            </a:r>
+            <a:endParaRPr lang="en-US" dirty="0">
+              <a:solidFill>
+                <a:srgbClr val="222222"/>
+              </a:solidFill>
+              <a:latin typeface="Arial" panose="020B0604020202020204" pitchFamily="34" charset="0"/>
+            </a:endParaRPr>
+          </a:p>
+          <a:p>
+            <a:pPr marL="342900" indent="-342900">
+              <a:buFont typeface="+mj-lt"/>
+              <a:buAutoNum type="arabicPeriod"/>
+            </a:pPr>
+            <a:r>
+              <a:rPr lang="en-US" b="0" i="0" dirty="0">
+                <a:solidFill>
+                  <a:srgbClr val="222222"/>
+                </a:solidFill>
+                <a:effectLst/>
+                <a:latin typeface="Arial" panose="020B0604020202020204" pitchFamily="34" charset="0"/>
+              </a:rPr>
+              <a:t>Shridhar, Mohit, et al. "</a:t>
+            </a:r>
+            <a:r>
+              <a:rPr lang="en-US" b="0" i="0" dirty="0" err="1">
+                <a:solidFill>
+                  <a:srgbClr val="222222"/>
+                </a:solidFill>
+                <a:effectLst/>
+                <a:latin typeface="Arial" panose="020B0604020202020204" pitchFamily="34" charset="0"/>
+              </a:rPr>
+              <a:t>Alfworld</a:t>
+            </a:r>
+            <a:r>
+              <a:rPr lang="en-US" b="0" i="0" dirty="0">
+                <a:solidFill>
+                  <a:srgbClr val="222222"/>
+                </a:solidFill>
+                <a:effectLst/>
+                <a:latin typeface="Arial" panose="020B0604020202020204" pitchFamily="34" charset="0"/>
+              </a:rPr>
+              <a:t>: Aligning text and embodied environments for interactive learning." </a:t>
+            </a:r>
+            <a:r>
+              <a:rPr lang="en-US" b="0" i="1" dirty="0" err="1">
+                <a:solidFill>
+                  <a:srgbClr val="222222"/>
+                </a:solidFill>
+                <a:effectLst/>
+                <a:latin typeface="Arial" panose="020B0604020202020204" pitchFamily="34" charset="0"/>
+              </a:rPr>
+              <a:t>arXiv</a:t>
+            </a:r>
+            <a:r>
+              <a:rPr lang="en-US" b="0" i="1" dirty="0">
+                <a:solidFill>
+                  <a:srgbClr val="222222"/>
+                </a:solidFill>
+                <a:effectLst/>
+                <a:latin typeface="Arial" panose="020B0604020202020204" pitchFamily="34" charset="0"/>
+              </a:rPr>
+              <a:t> preprint arXiv:2010.03768</a:t>
+            </a:r>
+            <a:r>
+              <a:rPr lang="en-US" b="0" i="0" dirty="0">
+                <a:solidFill>
+                  <a:srgbClr val="222222"/>
+                </a:solidFill>
+                <a:effectLst/>
+                <a:latin typeface="Arial" panose="020B0604020202020204" pitchFamily="34" charset="0"/>
+              </a:rPr>
+              <a:t> (2020).</a:t>
+            </a:r>
+          </a:p>
+          <a:p>
+            <a:pPr marL="342900" indent="-342900">
+              <a:buFont typeface="+mj-lt"/>
+              <a:buAutoNum type="arabicPeriod"/>
+            </a:pPr>
+            <a:r>
+              <a:rPr lang="en-US" b="0" i="0" dirty="0">
+                <a:solidFill>
+                  <a:srgbClr val="222222"/>
+                </a:solidFill>
+                <a:effectLst/>
+                <a:latin typeface="Arial" panose="020B0604020202020204" pitchFamily="34" charset="0"/>
+              </a:rPr>
+              <a:t>Yao, </a:t>
+            </a:r>
+            <a:r>
+              <a:rPr lang="en-US" b="0" i="0" dirty="0" err="1">
+                <a:solidFill>
+                  <a:srgbClr val="222222"/>
+                </a:solidFill>
+                <a:effectLst/>
+                <a:latin typeface="Arial" panose="020B0604020202020204" pitchFamily="34" charset="0"/>
+              </a:rPr>
+              <a:t>Shunyu</a:t>
+            </a:r>
+            <a:r>
+              <a:rPr lang="en-US" b="0" i="0" dirty="0">
+                <a:solidFill>
+                  <a:srgbClr val="222222"/>
+                </a:solidFill>
+                <a:effectLst/>
+                <a:latin typeface="Arial" panose="020B0604020202020204" pitchFamily="34" charset="0"/>
+              </a:rPr>
+              <a:t>, et al. "</a:t>
+            </a:r>
+            <a:r>
+              <a:rPr lang="en-US" b="0" i="0" dirty="0" err="1">
+                <a:solidFill>
+                  <a:srgbClr val="222222"/>
+                </a:solidFill>
+                <a:effectLst/>
+                <a:latin typeface="Arial" panose="020B0604020202020204" pitchFamily="34" charset="0"/>
+              </a:rPr>
+              <a:t>Webshop</a:t>
+            </a:r>
+            <a:r>
+              <a:rPr lang="en-US" b="0" i="0" dirty="0">
+                <a:solidFill>
+                  <a:srgbClr val="222222"/>
+                </a:solidFill>
+                <a:effectLst/>
+                <a:latin typeface="Arial" panose="020B0604020202020204" pitchFamily="34" charset="0"/>
+              </a:rPr>
+              <a:t>: Towards scalable real-world web interaction with grounded language agents." </a:t>
+            </a:r>
+            <a:r>
+              <a:rPr lang="en-US" b="0" i="1" dirty="0">
+                <a:solidFill>
+                  <a:srgbClr val="222222"/>
+                </a:solidFill>
+                <a:effectLst/>
+                <a:latin typeface="Arial" panose="020B0604020202020204" pitchFamily="34" charset="0"/>
+              </a:rPr>
+              <a:t>Advances in Neural Information Processing Systems</a:t>
+            </a:r>
+            <a:r>
+              <a:rPr lang="en-US" b="0" i="0" dirty="0">
+                <a:solidFill>
+                  <a:srgbClr val="222222"/>
+                </a:solidFill>
+                <a:effectLst/>
+                <a:latin typeface="Arial" panose="020B0604020202020204" pitchFamily="34" charset="0"/>
+              </a:rPr>
+              <a:t> 35 (2022): 20744-20757.</a:t>
+            </a:r>
+            <a:endParaRPr lang="en-US" dirty="0">
+              <a:solidFill>
+                <a:srgbClr val="222222"/>
+              </a:solidFill>
+              <a:latin typeface="Arial" panose="020B0604020202020204" pitchFamily="34" charset="0"/>
+            </a:endParaRPr>
+          </a:p>
+          <a:p>
+            <a:pPr marL="342900" indent="-342900">
+              <a:buFont typeface="+mj-lt"/>
+              <a:buAutoNum type="arabicPeriod"/>
+            </a:pPr>
+            <a:endParaRPr lang="en-US" dirty="0"/>
+          </a:p>
+        </p:txBody>
+      </p:sp>
+    </p:spTree>
+    <p:extLst>
+      <p:ext uri="{BB962C8B-B14F-4D97-AF65-F5344CB8AC3E}">
+        <p14:creationId xmlns:p14="http://schemas.microsoft.com/office/powerpoint/2010/main" val="3119385133"/>
+      </p:ext>
+    </p:extLst>
+  </p:cSld>
+  <p:clrMapOvr>
+    <a:masterClrMapping/>
+  </p:clrMapOvr>
+</p:sld>
+</file>
+
 <file path=ppt/slides/slide2.xml><?xml version="1.0" encoding="utf-8"?>
 <p:sld xmlns:a="http://schemas.openxmlformats.org/drawingml/2006/main" xmlns:r="http://schemas.openxmlformats.org/officeDocument/2006/relationships" xmlns:p="http://schemas.openxmlformats.org/presentationml/2006/main">
   <p:cSld>
@@ -13145,465 +12355,6 @@
     <p:extLst>
       <p:ext uri="{BB962C8B-B14F-4D97-AF65-F5344CB8AC3E}">
         <p14:creationId xmlns:p14="http://schemas.microsoft.com/office/powerpoint/2010/main" val="1450040752"/>
-      </p:ext>
-    </p:extLst>
-  </p:cSld>
-  <p:clrMapOvr>
-    <a:masterClrMapping/>
-  </p:clrMapOvr>
-</p:sld>
-</file>
-
-<file path=ppt/slides/slide20.xml><?xml version="1.0" encoding="utf-8"?>
-<p:sld xmlns:a="http://schemas.openxmlformats.org/drawingml/2006/main" xmlns:r="http://schemas.openxmlformats.org/officeDocument/2006/relationships" xmlns:p="http://schemas.openxmlformats.org/presentationml/2006/main">
-  <p:cSld>
-    <p:spTree>
-      <p:nvGrpSpPr>
-        <p:cNvPr id="1" name=""/>
-        <p:cNvGrpSpPr/>
-        <p:nvPr/>
-      </p:nvGrpSpPr>
-      <p:grpSpPr>
-        <a:xfrm>
-          <a:off x="0" y="0"/>
-          <a:ext cx="0" cy="0"/>
-          <a:chOff x="0" y="0"/>
-          <a:chExt cx="0" cy="0"/>
-        </a:xfrm>
-      </p:grpSpPr>
-      <p:sp>
-        <p:nvSpPr>
-          <p:cNvPr id="2" name="Title 1">
-            <a:extLst>
-              <a:ext uri="{FF2B5EF4-FFF2-40B4-BE49-F238E27FC236}">
-                <a16:creationId xmlns:a16="http://schemas.microsoft.com/office/drawing/2014/main" id="{D1738851-7576-9445-C9E0-4DC41BE378D3}"/>
-              </a:ext>
-            </a:extLst>
-          </p:cNvPr>
-          <p:cNvSpPr>
-            <a:spLocks noGrp="1"/>
-          </p:cNvSpPr>
-          <p:nvPr>
-            <p:ph type="title"/>
-          </p:nvPr>
-        </p:nvSpPr>
-        <p:spPr/>
-        <p:txBody>
-          <a:bodyPr/>
-          <a:lstStyle/>
-          <a:p>
-            <a:r>
-              <a:rPr lang="en-US" dirty="0"/>
-              <a:t>References</a:t>
-            </a:r>
-          </a:p>
-        </p:txBody>
-      </p:sp>
-      <p:sp>
-        <p:nvSpPr>
-          <p:cNvPr id="3" name="Content Placeholder 2">
-            <a:extLst>
-              <a:ext uri="{FF2B5EF4-FFF2-40B4-BE49-F238E27FC236}">
-                <a16:creationId xmlns:a16="http://schemas.microsoft.com/office/drawing/2014/main" id="{73723976-3E9D-7DF4-94FD-30DB601C1F5E}"/>
-              </a:ext>
-            </a:extLst>
-          </p:cNvPr>
-          <p:cNvSpPr>
-            <a:spLocks noGrp="1"/>
-          </p:cNvSpPr>
-          <p:nvPr>
-            <p:ph idx="1"/>
-          </p:nvPr>
-        </p:nvSpPr>
-        <p:spPr/>
-        <p:txBody>
-          <a:bodyPr anchor="t"/>
-          <a:lstStyle/>
-          <a:p>
-            <a:pPr marL="342900" indent="-342900">
-              <a:buFont typeface="+mj-lt"/>
-              <a:buAutoNum type="arabicPeriod"/>
-            </a:pPr>
-            <a:r>
-              <a:rPr lang="en-US" b="0" i="0" dirty="0">
-                <a:solidFill>
-                  <a:srgbClr val="222222"/>
-                </a:solidFill>
-                <a:effectLst/>
-                <a:latin typeface="Arial" panose="020B0604020202020204" pitchFamily="34" charset="0"/>
-              </a:rPr>
-              <a:t>Yao, </a:t>
-            </a:r>
-            <a:r>
-              <a:rPr lang="en-US" b="0" i="0" dirty="0" err="1">
-                <a:solidFill>
-                  <a:srgbClr val="222222"/>
-                </a:solidFill>
-                <a:effectLst/>
-                <a:latin typeface="Arial" panose="020B0604020202020204" pitchFamily="34" charset="0"/>
-              </a:rPr>
-              <a:t>Shunyu</a:t>
-            </a:r>
-            <a:r>
-              <a:rPr lang="en-US" b="0" i="0" dirty="0">
-                <a:solidFill>
-                  <a:srgbClr val="222222"/>
-                </a:solidFill>
-                <a:effectLst/>
-                <a:latin typeface="Arial" panose="020B0604020202020204" pitchFamily="34" charset="0"/>
-              </a:rPr>
-              <a:t>, et al. "</a:t>
-            </a:r>
-            <a:r>
-              <a:rPr lang="en-US" b="0" i="0" dirty="0" err="1">
-                <a:solidFill>
-                  <a:srgbClr val="222222"/>
-                </a:solidFill>
-                <a:effectLst/>
-                <a:latin typeface="Arial" panose="020B0604020202020204" pitchFamily="34" charset="0"/>
-              </a:rPr>
-              <a:t>ReAct</a:t>
-            </a:r>
-            <a:r>
-              <a:rPr lang="en-US" b="0" i="0" dirty="0">
-                <a:solidFill>
-                  <a:srgbClr val="222222"/>
-                </a:solidFill>
-                <a:effectLst/>
-                <a:latin typeface="Arial" panose="020B0604020202020204" pitchFamily="34" charset="0"/>
-              </a:rPr>
-              <a:t>: synergizing reasoning and acting in language models (2022)." </a:t>
-            </a:r>
-            <a:r>
-              <a:rPr lang="en-US" b="0" i="1" dirty="0" err="1">
-                <a:solidFill>
-                  <a:srgbClr val="222222"/>
-                </a:solidFill>
-                <a:effectLst/>
-                <a:latin typeface="Arial" panose="020B0604020202020204" pitchFamily="34" charset="0"/>
-              </a:rPr>
-              <a:t>arXiv</a:t>
-            </a:r>
-            <a:r>
-              <a:rPr lang="en-US" b="0" i="1" dirty="0">
-                <a:solidFill>
-                  <a:srgbClr val="222222"/>
-                </a:solidFill>
-                <a:effectLst/>
-                <a:latin typeface="Arial" panose="020B0604020202020204" pitchFamily="34" charset="0"/>
-              </a:rPr>
-              <a:t> preprint arXiv:2210.03629</a:t>
-            </a:r>
-            <a:r>
-              <a:rPr lang="en-US" b="0" i="0" dirty="0">
-                <a:solidFill>
-                  <a:srgbClr val="222222"/>
-                </a:solidFill>
-                <a:effectLst/>
-                <a:latin typeface="Arial" panose="020B0604020202020204" pitchFamily="34" charset="0"/>
-              </a:rPr>
-              <a:t> (2023).</a:t>
-            </a:r>
-          </a:p>
-          <a:p>
-            <a:pPr marL="342900" indent="-342900">
-              <a:buFont typeface="+mj-lt"/>
-              <a:buAutoNum type="arabicPeriod"/>
-            </a:pPr>
-            <a:r>
-              <a:rPr lang="en-US" b="0" i="0" dirty="0">
-                <a:solidFill>
-                  <a:srgbClr val="222222"/>
-                </a:solidFill>
-                <a:effectLst/>
-                <a:latin typeface="Arial" panose="020B0604020202020204" pitchFamily="34" charset="0"/>
-              </a:rPr>
-              <a:t>Yang, Zhilin, et al. "</a:t>
-            </a:r>
-            <a:r>
-              <a:rPr lang="en-US" b="0" i="0" dirty="0" err="1">
-                <a:solidFill>
-                  <a:srgbClr val="222222"/>
-                </a:solidFill>
-                <a:effectLst/>
-                <a:latin typeface="Arial" panose="020B0604020202020204" pitchFamily="34" charset="0"/>
-              </a:rPr>
-              <a:t>HotpotQA</a:t>
-            </a:r>
-            <a:r>
-              <a:rPr lang="en-US" b="0" i="0" dirty="0">
-                <a:solidFill>
-                  <a:srgbClr val="222222"/>
-                </a:solidFill>
-                <a:effectLst/>
-                <a:latin typeface="Arial" panose="020B0604020202020204" pitchFamily="34" charset="0"/>
-              </a:rPr>
-              <a:t>: A dataset for diverse, explainable multi-hop question answering." </a:t>
-            </a:r>
-            <a:r>
-              <a:rPr lang="en-US" b="0" i="1" dirty="0" err="1">
-                <a:solidFill>
-                  <a:srgbClr val="222222"/>
-                </a:solidFill>
-                <a:effectLst/>
-                <a:latin typeface="Arial" panose="020B0604020202020204" pitchFamily="34" charset="0"/>
-              </a:rPr>
-              <a:t>arXiv</a:t>
-            </a:r>
-            <a:r>
-              <a:rPr lang="en-US" b="0" i="1" dirty="0">
-                <a:solidFill>
-                  <a:srgbClr val="222222"/>
-                </a:solidFill>
-                <a:effectLst/>
-                <a:latin typeface="Arial" panose="020B0604020202020204" pitchFamily="34" charset="0"/>
-              </a:rPr>
-              <a:t> preprint arXiv:1809.09600</a:t>
-            </a:r>
-            <a:r>
-              <a:rPr lang="en-US" b="0" i="0" dirty="0">
-                <a:solidFill>
-                  <a:srgbClr val="222222"/>
-                </a:solidFill>
-                <a:effectLst/>
-                <a:latin typeface="Arial" panose="020B0604020202020204" pitchFamily="34" charset="0"/>
-              </a:rPr>
-              <a:t> (2018).</a:t>
-            </a:r>
-          </a:p>
-          <a:p>
-            <a:pPr marL="342900" indent="-342900">
-              <a:buFont typeface="+mj-lt"/>
-              <a:buAutoNum type="arabicPeriod"/>
-            </a:pPr>
-            <a:r>
-              <a:rPr lang="en-US" b="0" i="0" dirty="0">
-                <a:solidFill>
-                  <a:srgbClr val="222222"/>
-                </a:solidFill>
-                <a:effectLst/>
-                <a:latin typeface="Arial" panose="020B0604020202020204" pitchFamily="34" charset="0"/>
-              </a:rPr>
-              <a:t>Thorne, James, et al. "FEVER: a large-scale dataset for fact extraction and </a:t>
-            </a:r>
-            <a:r>
-              <a:rPr lang="en-US" b="0" i="0" dirty="0" err="1">
-                <a:solidFill>
-                  <a:srgbClr val="222222"/>
-                </a:solidFill>
-                <a:effectLst/>
-                <a:latin typeface="Arial" panose="020B0604020202020204" pitchFamily="34" charset="0"/>
-              </a:rPr>
-              <a:t>VERification</a:t>
-            </a:r>
-            <a:r>
-              <a:rPr lang="en-US" b="0" i="0" dirty="0">
-                <a:solidFill>
-                  <a:srgbClr val="222222"/>
-                </a:solidFill>
-                <a:effectLst/>
-                <a:latin typeface="Arial" panose="020B0604020202020204" pitchFamily="34" charset="0"/>
-              </a:rPr>
-              <a:t>." </a:t>
-            </a:r>
-            <a:r>
-              <a:rPr lang="en-US" b="0" i="1" dirty="0" err="1">
-                <a:solidFill>
-                  <a:srgbClr val="222222"/>
-                </a:solidFill>
-                <a:effectLst/>
-                <a:latin typeface="Arial" panose="020B0604020202020204" pitchFamily="34" charset="0"/>
-              </a:rPr>
-              <a:t>arXiv</a:t>
-            </a:r>
-            <a:r>
-              <a:rPr lang="en-US" b="0" i="1" dirty="0">
-                <a:solidFill>
-                  <a:srgbClr val="222222"/>
-                </a:solidFill>
-                <a:effectLst/>
-                <a:latin typeface="Arial" panose="020B0604020202020204" pitchFamily="34" charset="0"/>
-              </a:rPr>
-              <a:t> preprint arXiv:1803.05355</a:t>
-            </a:r>
-            <a:r>
-              <a:rPr lang="en-US" b="0" i="0" dirty="0">
-                <a:solidFill>
-                  <a:srgbClr val="222222"/>
-                </a:solidFill>
-                <a:effectLst/>
-                <a:latin typeface="Arial" panose="020B0604020202020204" pitchFamily="34" charset="0"/>
-              </a:rPr>
-              <a:t> (2018).</a:t>
-            </a:r>
-            <a:endParaRPr lang="en-US" dirty="0">
-              <a:solidFill>
-                <a:srgbClr val="222222"/>
-              </a:solidFill>
-              <a:latin typeface="Arial" panose="020B0604020202020204" pitchFamily="34" charset="0"/>
-            </a:endParaRPr>
-          </a:p>
-          <a:p>
-            <a:pPr marL="342900" indent="-342900">
-              <a:buFont typeface="+mj-lt"/>
-              <a:buAutoNum type="arabicPeriod"/>
-            </a:pPr>
-            <a:r>
-              <a:rPr lang="en-US" b="0" i="0" dirty="0">
-                <a:solidFill>
-                  <a:srgbClr val="222222"/>
-                </a:solidFill>
-                <a:effectLst/>
-                <a:latin typeface="Arial" panose="020B0604020202020204" pitchFamily="34" charset="0"/>
-              </a:rPr>
-              <a:t>Shridhar, Mohit, et al. "</a:t>
-            </a:r>
-            <a:r>
-              <a:rPr lang="en-US" b="0" i="0" dirty="0" err="1">
-                <a:solidFill>
-                  <a:srgbClr val="222222"/>
-                </a:solidFill>
-                <a:effectLst/>
-                <a:latin typeface="Arial" panose="020B0604020202020204" pitchFamily="34" charset="0"/>
-              </a:rPr>
-              <a:t>Alfworld</a:t>
-            </a:r>
-            <a:r>
-              <a:rPr lang="en-US" b="0" i="0" dirty="0">
-                <a:solidFill>
-                  <a:srgbClr val="222222"/>
-                </a:solidFill>
-                <a:effectLst/>
-                <a:latin typeface="Arial" panose="020B0604020202020204" pitchFamily="34" charset="0"/>
-              </a:rPr>
-              <a:t>: Aligning text and embodied environments for interactive learning." </a:t>
-            </a:r>
-            <a:r>
-              <a:rPr lang="en-US" b="0" i="1" dirty="0" err="1">
-                <a:solidFill>
-                  <a:srgbClr val="222222"/>
-                </a:solidFill>
-                <a:effectLst/>
-                <a:latin typeface="Arial" panose="020B0604020202020204" pitchFamily="34" charset="0"/>
-              </a:rPr>
-              <a:t>arXiv</a:t>
-            </a:r>
-            <a:r>
-              <a:rPr lang="en-US" b="0" i="1" dirty="0">
-                <a:solidFill>
-                  <a:srgbClr val="222222"/>
-                </a:solidFill>
-                <a:effectLst/>
-                <a:latin typeface="Arial" panose="020B0604020202020204" pitchFamily="34" charset="0"/>
-              </a:rPr>
-              <a:t> preprint arXiv:2010.03768</a:t>
-            </a:r>
-            <a:r>
-              <a:rPr lang="en-US" b="0" i="0" dirty="0">
-                <a:solidFill>
-                  <a:srgbClr val="222222"/>
-                </a:solidFill>
-                <a:effectLst/>
-                <a:latin typeface="Arial" panose="020B0604020202020204" pitchFamily="34" charset="0"/>
-              </a:rPr>
-              <a:t> (2020).</a:t>
-            </a:r>
-          </a:p>
-          <a:p>
-            <a:pPr marL="342900" indent="-342900">
-              <a:buFont typeface="+mj-lt"/>
-              <a:buAutoNum type="arabicPeriod"/>
-            </a:pPr>
-            <a:r>
-              <a:rPr lang="en-US" b="0" i="0" dirty="0">
-                <a:solidFill>
-                  <a:srgbClr val="222222"/>
-                </a:solidFill>
-                <a:effectLst/>
-                <a:latin typeface="Arial" panose="020B0604020202020204" pitchFamily="34" charset="0"/>
-              </a:rPr>
-              <a:t>Yao, </a:t>
-            </a:r>
-            <a:r>
-              <a:rPr lang="en-US" b="0" i="0" dirty="0" err="1">
-                <a:solidFill>
-                  <a:srgbClr val="222222"/>
-                </a:solidFill>
-                <a:effectLst/>
-                <a:latin typeface="Arial" panose="020B0604020202020204" pitchFamily="34" charset="0"/>
-              </a:rPr>
-              <a:t>Shunyu</a:t>
-            </a:r>
-            <a:r>
-              <a:rPr lang="en-US" b="0" i="0" dirty="0">
-                <a:solidFill>
-                  <a:srgbClr val="222222"/>
-                </a:solidFill>
-                <a:effectLst/>
-                <a:latin typeface="Arial" panose="020B0604020202020204" pitchFamily="34" charset="0"/>
-              </a:rPr>
-              <a:t>, et al. "</a:t>
-            </a:r>
-            <a:r>
-              <a:rPr lang="en-US" b="0" i="0" dirty="0" err="1">
-                <a:solidFill>
-                  <a:srgbClr val="222222"/>
-                </a:solidFill>
-                <a:effectLst/>
-                <a:latin typeface="Arial" panose="020B0604020202020204" pitchFamily="34" charset="0"/>
-              </a:rPr>
-              <a:t>Webshop</a:t>
-            </a:r>
-            <a:r>
-              <a:rPr lang="en-US" b="0" i="0" dirty="0">
-                <a:solidFill>
-                  <a:srgbClr val="222222"/>
-                </a:solidFill>
-                <a:effectLst/>
-                <a:latin typeface="Arial" panose="020B0604020202020204" pitchFamily="34" charset="0"/>
-              </a:rPr>
-              <a:t>: Towards scalable real-world web interaction with grounded language agents." </a:t>
-            </a:r>
-            <a:r>
-              <a:rPr lang="en-US" b="0" i="1" dirty="0">
-                <a:solidFill>
-                  <a:srgbClr val="222222"/>
-                </a:solidFill>
-                <a:effectLst/>
-                <a:latin typeface="Arial" panose="020B0604020202020204" pitchFamily="34" charset="0"/>
-              </a:rPr>
-              <a:t>Advances in Neural Information Processing Systems</a:t>
-            </a:r>
-            <a:r>
-              <a:rPr lang="en-US" b="0" i="0" dirty="0">
-                <a:solidFill>
-                  <a:srgbClr val="222222"/>
-                </a:solidFill>
-                <a:effectLst/>
-                <a:latin typeface="Arial" panose="020B0604020202020204" pitchFamily="34" charset="0"/>
-              </a:rPr>
-              <a:t> 35 (2022): 20744-20757.</a:t>
-            </a:r>
-            <a:endParaRPr lang="en-US" dirty="0">
-              <a:solidFill>
-                <a:srgbClr val="222222"/>
-              </a:solidFill>
-              <a:latin typeface="Arial" panose="020B0604020202020204" pitchFamily="34" charset="0"/>
-            </a:endParaRPr>
-          </a:p>
-          <a:p>
-            <a:pPr marL="342900" indent="-342900">
-              <a:buFont typeface="+mj-lt"/>
-              <a:buAutoNum type="arabicPeriod"/>
-            </a:pPr>
-            <a:endParaRPr lang="en-US" dirty="0"/>
-          </a:p>
-        </p:txBody>
-      </p:sp>
-    </p:spTree>
-    <p:extLst>
-      <p:ext uri="{BB962C8B-B14F-4D97-AF65-F5344CB8AC3E}">
-        <p14:creationId xmlns:p14="http://schemas.microsoft.com/office/powerpoint/2010/main" val="3119385133"/>
       </p:ext>
     </p:extLst>
   </p:cSld>
@@ -13804,8 +12555,8 @@
           </a:p>
         </p:txBody>
       </p:sp>
-      <mc:AlternateContent xmlns:mc="http://schemas.openxmlformats.org/markup-compatibility/2006">
-        <mc:Choice xmlns:a14="http://schemas.microsoft.com/office/drawing/2010/main" Requires="a14">
+      <mc:AlternateContent xmlns:mc="http://schemas.openxmlformats.org/markup-compatibility/2006" xmlns:a14="http://schemas.microsoft.com/office/drawing/2010/main">
+        <mc:Choice Requires="a14">
           <p:sp>
             <p:nvSpPr>
               <p:cNvPr id="3" name="Content Placeholder 2">
@@ -14304,7 +13055,7 @@
             </p:txBody>
           </p:sp>
         </mc:Choice>
-        <mc:Fallback>
+        <mc:Fallback xmlns="">
           <p:sp>
             <p:nvSpPr>
               <p:cNvPr id="3" name="Content Placeholder 2">
@@ -14528,8 +13279,8 @@
           </a:p>
         </p:txBody>
       </p:sp>
-      <mc:AlternateContent xmlns:mc="http://schemas.openxmlformats.org/markup-compatibility/2006">
-        <mc:Choice xmlns:a14="http://schemas.microsoft.com/office/drawing/2010/main" Requires="a14">
+      <mc:AlternateContent xmlns:mc="http://schemas.openxmlformats.org/markup-compatibility/2006" xmlns:a14="http://schemas.microsoft.com/office/drawing/2010/main">
+        <mc:Choice Requires="a14">
           <p:sp>
             <p:nvSpPr>
               <p:cNvPr id="3" name="Content Placeholder 2">
@@ -14776,7 +13527,7 @@
             </p:txBody>
           </p:sp>
         </mc:Choice>
-        <mc:Fallback>
+        <mc:Fallback xmlns="">
           <p:sp>
             <p:nvSpPr>
               <p:cNvPr id="3" name="Content Placeholder 2">
@@ -15897,15 +14648,6 @@
 </file>
 
 <file path=customXml/item2.xml><?xml version="1.0" encoding="utf-8"?>
-<?mso-contentType ?>
-<FormTemplates xmlns="http://schemas.microsoft.com/sharepoint/v3/contenttype/forms">
-  <Display>DocumentLibraryForm</Display>
-  <Edit>DocumentLibraryForm</Edit>
-  <New>DocumentLibraryForm</New>
-</FormTemplates>
-</file>
-
-<file path=customXml/item3.xml><?xml version="1.0" encoding="utf-8"?>
 <ct:contentTypeSchema xmlns:ct="http://schemas.microsoft.com/office/2006/metadata/contentType" xmlns:ma="http://schemas.microsoft.com/office/2006/metadata/properties/metaAttributes" ct:_="" ma:_="" ma:contentTypeName="Document" ma:contentTypeID="0x01010079F111ED35F8CC479449609E8A0923A6" ma:contentTypeVersion="27" ma:contentTypeDescription="Create a new document." ma:contentTypeScope="" ma:versionID="c6f9a84f66a9c8b9a21755b9ffafb945">
   <xsd:schema xmlns:xsd="http://www.w3.org/2001/XMLSchema" xmlns:xs="http://www.w3.org/2001/XMLSchema" xmlns:p="http://schemas.microsoft.com/office/2006/metadata/properties" xmlns:ns1="http://schemas.microsoft.com/sharepoint/v3" xmlns:ns2="71af3243-3dd4-4a8d-8c0d-dd76da1f02a5" xmlns:ns3="16c05727-aa75-4e4a-9b5f-8a80a1165891" xmlns:ns4="230e9df3-be65-4c73-a93b-d1236ebd677e" targetNamespace="http://schemas.microsoft.com/office/2006/metadata/properties" ma:root="true" ma:fieldsID="27df39e3e7036dff54f89ddd5805ce72" ns1:_="" ns2:_="" ns3:_="" ns4:_="">
     <xsd:import namespace="http://schemas.microsoft.com/sharepoint/v3"/>
@@ -16211,6 +14953,15 @@
 </ct:contentTypeSchema>
 </file>
 
+<file path=customXml/item3.xml><?xml version="1.0" encoding="utf-8"?>
+<?mso-contentType ?>
+<FormTemplates xmlns="http://schemas.microsoft.com/sharepoint/v3/contenttype/forms">
+  <Display>DocumentLibraryForm</Display>
+  <Edit>DocumentLibraryForm</Edit>
+  <New>DocumentLibraryForm</New>
+</FormTemplates>
+</file>
+
 <file path=customXml/itemProps1.xml><?xml version="1.0" encoding="utf-8"?>
 <ds:datastoreItem xmlns:ds="http://schemas.openxmlformats.org/officeDocument/2006/customXml" ds:itemID="{3791575F-4C21-47C4-8D13-EB9BE66B536F}">
   <ds:schemaRefs>
@@ -16224,14 +14975,6 @@
 </file>
 
 <file path=customXml/itemProps2.xml><?xml version="1.0" encoding="utf-8"?>
-<ds:datastoreItem xmlns:ds="http://schemas.openxmlformats.org/officeDocument/2006/customXml" ds:itemID="{342D3C2F-55A5-48C0-9D5A-95C7FF0389D0}">
-  <ds:schemaRefs>
-    <ds:schemaRef ds:uri="http://schemas.microsoft.com/sharepoint/v3/contenttype/forms"/>
-  </ds:schemaRefs>
-</ds:datastoreItem>
-</file>
-
-<file path=customXml/itemProps3.xml><?xml version="1.0" encoding="utf-8"?>
 <ds:datastoreItem xmlns:ds="http://schemas.openxmlformats.org/officeDocument/2006/customXml" ds:itemID="{792209EB-3212-4116-B574-D1F56C7C4922}">
   <ds:schemaRefs>
     <ds:schemaRef ds:uri="http://schemas.microsoft.com/office/2006/metadata/contentType"/>
@@ -16250,4 +14993,12 @@
     <ds:schemaRef ds:uri="http://schemas.microsoft.com/internal/obd"/>
   </ds:schemaRefs>
 </ds:datastoreItem>
+</file>
+
+<file path=customXml/itemProps3.xml><?xml version="1.0" encoding="utf-8"?>
+<ds:datastoreItem xmlns:ds="http://schemas.openxmlformats.org/officeDocument/2006/customXml" ds:itemID="{342D3C2F-55A5-48C0-9D5A-95C7FF0389D0}">
+  <ds:schemaRefs>
+    <ds:schemaRef ds:uri="http://schemas.microsoft.com/sharepoint/v3/contenttype/forms"/>
+  </ds:schemaRefs>
+</ds:datastoreItem>
 </file>